--- a/workdoc/framework/固件框架.pptx
+++ b/workdoc/framework/固件框架.pptx
@@ -5,22 +5,24 @@
     <p:sldMasterId id="2147483648" r:id="rId1"/>
   </p:sldMasterIdLst>
   <p:notesMasterIdLst>
-    <p:notesMasterId r:id="rId13"/>
+    <p:notesMasterId r:id="rId5"/>
   </p:notesMasterIdLst>
   <p:handoutMasterIdLst>
-    <p:handoutMasterId r:id="rId14"/>
+    <p:handoutMasterId r:id="rId16"/>
   </p:handoutMasterIdLst>
   <p:sldIdLst>
     <p:sldId id="256" r:id="rId3"/>
-    <p:sldId id="259" r:id="rId4"/>
-    <p:sldId id="257" r:id="rId5"/>
-    <p:sldId id="260" r:id="rId6"/>
-    <p:sldId id="258" r:id="rId7"/>
-    <p:sldId id="261" r:id="rId8"/>
-    <p:sldId id="265" r:id="rId9"/>
-    <p:sldId id="262" r:id="rId10"/>
-    <p:sldId id="263" r:id="rId11"/>
-    <p:sldId id="264" r:id="rId12"/>
+    <p:sldId id="257" r:id="rId4"/>
+    <p:sldId id="259" r:id="rId6"/>
+    <p:sldId id="260" r:id="rId7"/>
+    <p:sldId id="258" r:id="rId8"/>
+    <p:sldId id="261" r:id="rId9"/>
+    <p:sldId id="270" r:id="rId10"/>
+    <p:sldId id="265" r:id="rId11"/>
+    <p:sldId id="262" r:id="rId12"/>
+    <p:sldId id="263" r:id="rId13"/>
+    <p:sldId id="264" r:id="rId14"/>
+    <p:sldId id="269" r:id="rId15"/>
   </p:sldIdLst>
   <p:sldSz cx="12192000" cy="6858000"/>
   <p:notesSz cx="7103745" cy="10234295"/>
@@ -625,6 +627,108 @@
     </a:lvl9pPr>
   </p:notesStyle>
 </p:notesMaster>
+</file>
+
+<file path=ppt/notesSlides/notesSlide1.xml><?xml version="1.0" encoding="utf-8"?>
+<p:notes xmlns:a="http://schemas.openxmlformats.org/drawingml/2006/main" xmlns:r="http://schemas.openxmlformats.org/officeDocument/2006/relationships" xmlns:p="http://schemas.openxmlformats.org/presentationml/2006/main">
+  <p:cSld>
+    <p:spTree>
+      <p:nvGrpSpPr>
+        <p:cNvPr id="1" name=""/>
+        <p:cNvGrpSpPr/>
+        <p:nvPr/>
+      </p:nvGrpSpPr>
+      <p:grpSpPr/>
+      <p:sp>
+        <p:nvSpPr>
+          <p:cNvPr id="2" name="Slide Image Placeholder 1"/>
+          <p:cNvSpPr/>
+          <p:nvPr>
+            <p:ph type="sldImg" idx="2"/>
+          </p:nvPr>
+        </p:nvSpPr>
+        <p:spPr/>
+      </p:sp>
+      <p:sp>
+        <p:nvSpPr>
+          <p:cNvPr id="3" name="Text Placeholder 2"/>
+          <p:cNvSpPr/>
+          <p:nvPr>
+            <p:ph type="body" idx="3"/>
+          </p:nvPr>
+        </p:nvSpPr>
+        <p:spPr/>
+        <p:txBody>
+          <a:bodyPr/>
+          <a:p>
+            <a:r>
+              <a:rPr lang="en-US"/>
+              <a:t>SIPP(Stable Image Platform Program,稳定图像平台程序)</a:t>
+            </a:r>
+            <a:endParaRPr lang="en-US"/>
+          </a:p>
+        </p:txBody>
+      </p:sp>
+    </p:spTree>
+  </p:cSld>
+  <p:clrMapOvr>
+    <a:masterClrMapping/>
+  </p:clrMapOvr>
+</p:notes>
+</file>
+
+<file path=ppt/notesSlides/notesSlide2.xml><?xml version="1.0" encoding="utf-8"?>
+<p:notes xmlns:a="http://schemas.openxmlformats.org/drawingml/2006/main" xmlns:r="http://schemas.openxmlformats.org/officeDocument/2006/relationships" xmlns:p="http://schemas.openxmlformats.org/presentationml/2006/main">
+  <p:cSld>
+    <p:spTree>
+      <p:nvGrpSpPr>
+        <p:cNvPr id="1" name=""/>
+        <p:cNvGrpSpPr/>
+        <p:nvPr/>
+      </p:nvGrpSpPr>
+      <p:grpSpPr/>
+      <p:sp>
+        <p:nvSpPr>
+          <p:cNvPr id="2" name="Slide Image Placeholder 1"/>
+          <p:cNvSpPr/>
+          <p:nvPr>
+            <p:ph type="sldImg" idx="2"/>
+          </p:nvPr>
+        </p:nvSpPr>
+        <p:spPr/>
+      </p:sp>
+      <p:sp>
+        <p:nvSpPr>
+          <p:cNvPr id="3" name="Text Placeholder 2"/>
+          <p:cNvSpPr/>
+          <p:nvPr>
+            <p:ph type="body" idx="3"/>
+          </p:nvPr>
+        </p:nvSpPr>
+        <p:spPr/>
+        <p:txBody>
+          <a:bodyPr/>
+          <a:p>
+            <a:endParaRPr lang="en-US"/>
+          </a:p>
+          <a:p>
+            <a:r>
+              <a:rPr lang="en-US"/>
+              <a:t>AHB总线规范是amba总线的一部分，全称是Advanced high performance bus。AMBA总线常用的有AXI，AHB，APB。APB 的全称：Advanced Peripheral Bus 作为 AMBA 总线的一层，APB 总线是为了功耗最小化和减低接口复杂度而设计的。</a:t>
+            </a:r>
+            <a:endParaRPr lang="en-US"/>
+          </a:p>
+          <a:p>
+            <a:endParaRPr lang="en-US"/>
+          </a:p>
+        </p:txBody>
+      </p:sp>
+    </p:spTree>
+  </p:cSld>
+  <p:clrMapOvr>
+    <a:masterClrMapping/>
+  </p:clrMapOvr>
+</p:notes>
 </file>
 
 <file path=ppt/slideLayouts/slideLayout1.xml><?xml version="1.0" encoding="utf-8"?>
@@ -3603,6 +3707,68 @@
           <a:p>
             <a:r>
               <a:rPr lang="zh-CN" altLang="en-US"/>
+              <a:t>外设使用</a:t>
+            </a:r>
+            <a:r>
+              <a:rPr lang="en-US" altLang="zh-CN"/>
+              <a:t>-PWM</a:t>
+            </a:r>
+            <a:endParaRPr lang="en-US" altLang="zh-CN"/>
+          </a:p>
+        </p:txBody>
+      </p:sp>
+      <p:sp>
+        <p:nvSpPr>
+          <p:cNvPr id="3" name="Content Placeholder 2"/>
+          <p:cNvSpPr>
+            <a:spLocks noGrp="1"/>
+          </p:cNvSpPr>
+          <p:nvPr>
+            <p:ph idx="1"/>
+          </p:nvPr>
+        </p:nvSpPr>
+        <p:spPr/>
+        <p:txBody>
+          <a:bodyPr/>
+          <a:p>
+            <a:endParaRPr lang="en-US"/>
+          </a:p>
+        </p:txBody>
+      </p:sp>
+    </p:spTree>
+  </p:cSld>
+  <p:clrMapOvr>
+    <a:masterClrMapping/>
+  </p:clrMapOvr>
+</p:sld>
+</file>
+
+<file path=ppt/slides/slide11.xml><?xml version="1.0" encoding="utf-8"?>
+<p:sld xmlns:a="http://schemas.openxmlformats.org/drawingml/2006/main" xmlns:r="http://schemas.openxmlformats.org/officeDocument/2006/relationships" xmlns:p="http://schemas.openxmlformats.org/presentationml/2006/main">
+  <p:cSld>
+    <p:spTree>
+      <p:nvGrpSpPr>
+        <p:cNvPr id="1" name=""/>
+        <p:cNvGrpSpPr/>
+        <p:nvPr/>
+      </p:nvGrpSpPr>
+      <p:grpSpPr/>
+      <p:sp>
+        <p:nvSpPr>
+          <p:cNvPr id="2" name="Title 1"/>
+          <p:cNvSpPr>
+            <a:spLocks noGrp="1"/>
+          </p:cNvSpPr>
+          <p:nvPr>
+            <p:ph type="title"/>
+          </p:nvPr>
+        </p:nvSpPr>
+        <p:spPr/>
+        <p:txBody>
+          <a:bodyPr/>
+          <a:p>
+            <a:r>
+              <a:rPr lang="zh-CN" altLang="en-US"/>
               <a:t>外设中断</a:t>
             </a:r>
             <a:endParaRPr lang="zh-CN" altLang="en-US"/>
@@ -3624,6 +3790,85 @@
           <a:bodyPr/>
           <a:p>
             <a:endParaRPr lang="en-US"/>
+          </a:p>
+        </p:txBody>
+      </p:sp>
+    </p:spTree>
+  </p:cSld>
+  <p:clrMapOvr>
+    <a:masterClrMapping/>
+  </p:clrMapOvr>
+</p:sld>
+</file>
+
+<file path=ppt/slides/slide12.xml><?xml version="1.0" encoding="utf-8"?>
+<p:sld xmlns:a="http://schemas.openxmlformats.org/drawingml/2006/main" xmlns:r="http://schemas.openxmlformats.org/officeDocument/2006/relationships" xmlns:p="http://schemas.openxmlformats.org/presentationml/2006/main">
+  <p:cSld>
+    <p:spTree>
+      <p:nvGrpSpPr>
+        <p:cNvPr id="1" name=""/>
+        <p:cNvGrpSpPr/>
+        <p:nvPr/>
+      </p:nvGrpSpPr>
+      <p:grpSpPr/>
+      <p:sp>
+        <p:nvSpPr>
+          <p:cNvPr id="2" name="Title 1"/>
+          <p:cNvSpPr>
+            <a:spLocks noGrp="1"/>
+          </p:cNvSpPr>
+          <p:nvPr>
+            <p:ph type="title"/>
+          </p:nvPr>
+        </p:nvSpPr>
+        <p:spPr/>
+        <p:txBody>
+          <a:bodyPr/>
+          <a:p>
+            <a:r>
+              <a:rPr lang="zh-CN" altLang="en-US"/>
+              <a:t>参考文档</a:t>
+            </a:r>
+            <a:endParaRPr lang="zh-CN" altLang="en-US"/>
+          </a:p>
+        </p:txBody>
+      </p:sp>
+      <p:sp>
+        <p:nvSpPr>
+          <p:cNvPr id="4" name="Text Box 3"/>
+          <p:cNvSpPr txBox="1"/>
+          <p:nvPr/>
+        </p:nvSpPr>
+        <p:spPr>
+          <a:xfrm>
+            <a:off x="1049655" y="1584325"/>
+            <a:ext cx="8860790" cy="922020"/>
+          </a:xfrm>
+          <a:prstGeom prst="rect">
+            <a:avLst/>
+          </a:prstGeom>
+          <a:noFill/>
+        </p:spPr>
+        <p:txBody>
+          <a:bodyPr wrap="square" rtlCol="0">
+            <a:spAutoFit/>
+          </a:bodyPr>
+          <a:p>
+            <a:r>
+              <a:rPr lang="en-US"/>
+              <a:t>- RTEMS Wiki http://www.rtems.org/wiki/index.php/Main_Page</a:t>
+            </a:r>
+            <a:endParaRPr lang="en-US"/>
+          </a:p>
+          <a:p>
+            <a:r>
+              <a:rPr lang="en-US"/>
+              <a:t>- www.movidius.org</a:t>
+            </a:r>
+            <a:endParaRPr lang="en-US"/>
+          </a:p>
+          <a:p>
+            <a:endParaRPr lang="zh-CN" altLang="en-US"/>
           </a:p>
         </p:txBody>
       </p:sp>
@@ -3647,7 +3892,7 @@
       <p:grpSpPr/>
       <p:sp>
         <p:nvSpPr>
-          <p:cNvPr id="2" name="Title 1"/>
+          <p:cNvPr id="4" name="Title 3"/>
           <p:cNvSpPr>
             <a:spLocks noGrp="1"/>
           </p:cNvSpPr>
@@ -3660,8 +3905,8 @@
           <a:bodyPr/>
           <a:p>
             <a:r>
-              <a:rPr lang="zh-CN" altLang="en-US"/>
-              <a:t>固件框架</a:t>
+              <a:rPr lang="en-US" altLang="zh-CN"/>
+              <a:t>CPU</a:t>
             </a:r>
             <a:endParaRPr lang="zh-CN" altLang="en-US"/>
           </a:p>
@@ -3669,17 +3914,96 @@
       </p:sp>
       <p:sp>
         <p:nvSpPr>
-          <p:cNvPr id="3" name="Content Placeholder 2"/>
-          <p:cNvSpPr>
-            <a:spLocks noGrp="1"/>
-          </p:cNvSpPr>
-          <p:nvPr>
-            <p:ph idx="1"/>
-          </p:nvPr>
-        </p:nvSpPr>
-        <p:spPr/>
-        <p:txBody>
-          <a:bodyPr/>
+          <p:cNvPr id="2" name="Text Box 1"/>
+          <p:cNvSpPr txBox="1"/>
+          <p:nvPr/>
+        </p:nvSpPr>
+        <p:spPr>
+          <a:xfrm>
+            <a:off x="589280" y="1447800"/>
+            <a:ext cx="6139815" cy="3969385"/>
+          </a:xfrm>
+          <a:prstGeom prst="rect">
+            <a:avLst/>
+          </a:prstGeom>
+          <a:noFill/>
+        </p:spPr>
+        <p:txBody>
+          <a:bodyPr wrap="square" rtlCol="0">
+            <a:spAutoFit/>
+          </a:bodyPr>
+          <a:p>
+            <a:r>
+              <a:rPr lang="en-US"/>
+              <a:t>1.MA2x5x is the second serier of the Intel Movidius Myriad 2</a:t>
+            </a:r>
+            <a:endParaRPr lang="en-US"/>
+          </a:p>
+          <a:p>
+            <a:r>
+              <a:rPr lang="en-US"/>
+              <a:t>2.600MHz system clock .</a:t>
+            </a:r>
+            <a:endParaRPr lang="en-US"/>
+          </a:p>
+          <a:p>
+            <a:r>
+              <a:rPr lang="en-US"/>
+              <a:t>3.USB 3.0 operation </a:t>
+            </a:r>
+            <a:endParaRPr lang="en-US"/>
+          </a:p>
+          <a:p>
+            <a:r>
+              <a:rPr lang="en-US"/>
+              <a:t>4.Dual voltage 1.8v &amp; 3.3V </a:t>
+            </a:r>
+            <a:br>
+              <a:rPr lang="en-US"/>
+            </a:br>
+            <a:r>
+              <a:rPr lang="en-US"/>
+              <a:t>5.USB boot mode .</a:t>
+            </a:r>
+            <a:endParaRPr lang="en-US"/>
+          </a:p>
+          <a:p>
+            <a:r>
+              <a:rPr lang="en-US"/>
+              <a:t>6.IQ and performance improvements in SIPP ISP pipeline - 600 MPixels/s throughput</a:t>
+            </a:r>
+            <a:endParaRPr lang="en-US"/>
+          </a:p>
+          <a:p>
+            <a:r>
+              <a:rPr lang="en-US"/>
+              <a:t>7.on-die temperature sensors</a:t>
+            </a:r>
+            <a:endParaRPr lang="en-US"/>
+          </a:p>
+          <a:p>
+            <a:r>
+              <a:rPr lang="en-US"/>
+              <a:t>8.6 simultaneous camera support</a:t>
+            </a:r>
+            <a:endParaRPr lang="en-US"/>
+          </a:p>
+          <a:p>
+            <a:r>
+              <a:rPr lang="en-US"/>
+              <a:t>9.Low power  state improvements.</a:t>
+            </a:r>
+            <a:endParaRPr lang="en-US"/>
+          </a:p>
+          <a:p>
+            <a:endParaRPr lang="en-US"/>
+          </a:p>
+          <a:p>
+            <a:endParaRPr lang="en-US"/>
+          </a:p>
+          <a:p>
+            <a:endParaRPr lang="en-US"/>
+          </a:p>
           <a:p>
             <a:endParaRPr lang="en-US"/>
           </a:p>
@@ -3705,7 +4029,7 @@
       <p:grpSpPr/>
       <p:sp>
         <p:nvSpPr>
-          <p:cNvPr id="4" name="Title 3"/>
+          <p:cNvPr id="2" name="Title 1"/>
           <p:cNvSpPr>
             <a:spLocks noGrp="1"/>
           </p:cNvSpPr>
@@ -3721,9 +4045,154 @@
               <a:rPr lang="en-US" altLang="zh-CN"/>
               <a:t>CPU</a:t>
             </a:r>
+            <a:endParaRPr lang="en-US" altLang="zh-CN"/>
+          </a:p>
+        </p:txBody>
+      </p:sp>
+      <p:pic>
+        <p:nvPicPr>
+          <p:cNvPr id="4" name="Picture 3" descr="movidius'"/>
+          <p:cNvPicPr>
+            <a:picLocks noChangeAspect="1"/>
+          </p:cNvPicPr>
+          <p:nvPr/>
+        </p:nvPicPr>
+        <p:blipFill>
+          <a:blip r:embed="rId1"/>
+          <a:stretch>
+            <a:fillRect/>
+          </a:stretch>
+        </p:blipFill>
+        <p:spPr>
+          <a:xfrm>
+            <a:off x="6605270" y="0"/>
+            <a:ext cx="5476240" cy="6858000"/>
+          </a:xfrm>
+          <a:prstGeom prst="rect">
+            <a:avLst/>
+          </a:prstGeom>
+        </p:spPr>
+      </p:pic>
+      <p:sp>
+        <p:nvSpPr>
+          <p:cNvPr id="5" name="Text Box 4"/>
+          <p:cNvSpPr txBox="1"/>
+          <p:nvPr/>
+        </p:nvSpPr>
+        <p:spPr>
+          <a:xfrm>
+            <a:off x="731520" y="1303655"/>
+            <a:ext cx="5951220" cy="3415030"/>
+          </a:xfrm>
+          <a:prstGeom prst="rect">
+            <a:avLst/>
+          </a:prstGeom>
+          <a:noFill/>
+        </p:spPr>
+        <p:txBody>
+          <a:bodyPr wrap="square" rtlCol="0">
+            <a:spAutoFit/>
+          </a:bodyPr>
+          <a:p>
             <a:r>
               <a:rPr lang="zh-CN" altLang="en-US"/>
-              <a:t>框架</a:t>
+              <a:t>如右图所示，以</a:t>
+            </a:r>
+            <a:r>
+              <a:rPr lang="en-US" altLang="zh-CN"/>
+              <a:t>myriad2 m215x</a:t>
+            </a:r>
+            <a:r>
+              <a:rPr lang="zh-CN" altLang="en-US"/>
+              <a:t>芯片为例，芯片多功能分区，当前的</a:t>
+            </a:r>
+            <a:r>
+              <a:rPr lang="en-US" altLang="zh-CN"/>
+              <a:t>GPU,CPU,DPU,MPU,VPU</a:t>
+            </a:r>
+            <a:r>
+              <a:rPr lang="zh-CN" altLang="en-US"/>
+              <a:t>等多功能，芯片分区处理不同的功能。</a:t>
+            </a:r>
+            <a:endParaRPr lang="zh-CN" altLang="en-US"/>
+          </a:p>
+          <a:p>
+            <a:r>
+              <a:rPr lang="en-US" altLang="zh-CN"/>
+              <a:t>(1)12 x SHAVE vector processors</a:t>
+            </a:r>
+            <a:r>
+              <a:rPr lang="zh-CN" altLang="en-US"/>
+              <a:t>和</a:t>
+            </a:r>
+            <a:r>
+              <a:rPr lang="en-US" altLang="zh-CN"/>
+              <a:t>2x32bit RISC Leon </a:t>
+            </a:r>
+            <a:endParaRPr lang="en-US" altLang="zh-CN"/>
+          </a:p>
+          <a:p>
+            <a:r>
+              <a:rPr lang="en-US" altLang="zh-CN"/>
+              <a:t>(2) 2MB of on-chip RAM(CMX).</a:t>
+            </a:r>
+            <a:endParaRPr lang="en-US" altLang="zh-CN"/>
+          </a:p>
+          <a:p>
+            <a:r>
+              <a:rPr lang="en-US" altLang="zh-CN"/>
+              <a:t>(3)128/512MB of in-package  stacked DDR </a:t>
+            </a:r>
+            <a:endParaRPr lang="en-US" altLang="zh-CN"/>
+          </a:p>
+          <a:p>
+            <a:r>
+              <a:rPr lang="en-US" altLang="zh-CN"/>
+              <a:t>(4)LEON RISC has 256KB L2 cache memory .</a:t>
+            </a:r>
+            <a:endParaRPr lang="en-US" altLang="zh-CN"/>
+          </a:p>
+          <a:p>
+            <a:r>
+              <a:rPr lang="en-US" altLang="zh-CN"/>
+              <a:t>(5)LEON RT has 32KB L2  cache memory.</a:t>
+            </a:r>
+            <a:endParaRPr lang="en-US" altLang="zh-CN"/>
+          </a:p>
+          <a:p>
+            <a:r>
+              <a:rPr lang="en-US" altLang="zh-CN"/>
+              <a:t>(6)SIPP Image Signal Processing hardware accelerators.</a:t>
+            </a:r>
+            <a:endParaRPr lang="en-US" altLang="zh-CN"/>
+          </a:p>
+          <a:p>
+            <a:endParaRPr lang="en-US" altLang="zh-CN"/>
+          </a:p>
+          <a:p>
+            <a:r>
+              <a:rPr lang="en-US" altLang="zh-CN"/>
+              <a:t>LeonOS</a:t>
+            </a:r>
+            <a:r>
+              <a:rPr lang="zh-CN" altLang="en-US"/>
+              <a:t>和</a:t>
+            </a:r>
+            <a:r>
+              <a:rPr lang="en-US" altLang="zh-CN"/>
+              <a:t>LeonRT</a:t>
+            </a:r>
+            <a:r>
+              <a:rPr lang="zh-CN" altLang="en-US"/>
+              <a:t>两个核心，主要用于外设控制，</a:t>
+            </a:r>
+            <a:r>
+              <a:rPr lang="en-US" altLang="zh-CN"/>
+              <a:t>Shave</a:t>
+            </a:r>
+            <a:r>
+              <a:rPr lang="zh-CN" altLang="en-US"/>
+              <a:t>处理器用于数据运算（算法和图像处理）</a:t>
             </a:r>
             <a:endParaRPr lang="zh-CN" altLang="en-US"/>
           </a:p>
@@ -3773,6 +4242,222 @@
           </a:p>
         </p:txBody>
       </p:sp>
+      <p:sp>
+        <p:nvSpPr>
+          <p:cNvPr id="2" name="Text Box 1"/>
+          <p:cNvSpPr txBox="1"/>
+          <p:nvPr/>
+        </p:nvSpPr>
+        <p:spPr>
+          <a:xfrm>
+            <a:off x="430530" y="1322070"/>
+            <a:ext cx="7765415" cy="368300"/>
+          </a:xfrm>
+          <a:prstGeom prst="rect">
+            <a:avLst/>
+          </a:prstGeom>
+          <a:noFill/>
+        </p:spPr>
+        <p:txBody>
+          <a:bodyPr wrap="square" rtlCol="0">
+            <a:spAutoFit/>
+          </a:bodyPr>
+          <a:p>
+            <a:r>
+              <a:rPr lang="zh-CN" altLang="en-US"/>
+              <a:t>在</a:t>
+            </a:r>
+            <a:r>
+              <a:rPr lang="en-US" altLang="zh-CN"/>
+              <a:t>LeonOS</a:t>
+            </a:r>
+            <a:r>
+              <a:rPr lang="zh-CN" altLang="en-US"/>
+              <a:t>和</a:t>
+            </a:r>
+            <a:r>
+              <a:rPr lang="en-US" altLang="zh-CN"/>
+              <a:t>LeonRT</a:t>
+            </a:r>
+            <a:r>
+              <a:rPr lang="zh-CN" altLang="en-US"/>
+              <a:t>上同时使用</a:t>
+            </a:r>
+            <a:r>
+              <a:rPr lang="en-US" altLang="zh-CN"/>
+              <a:t>RTEMS</a:t>
+            </a:r>
+            <a:r>
+              <a:rPr lang="zh-CN" altLang="en-US"/>
+              <a:t>，</a:t>
+            </a:r>
+            <a:r>
+              <a:rPr lang="en-US" altLang="zh-CN"/>
+              <a:t>SHAVE</a:t>
+            </a:r>
+            <a:r>
+              <a:rPr lang="zh-CN" altLang="en-US"/>
+              <a:t>核心作为计算单元</a:t>
+            </a:r>
+            <a:endParaRPr lang="zh-CN" altLang="en-US"/>
+          </a:p>
+        </p:txBody>
+      </p:sp>
+      <p:sp>
+        <p:nvSpPr>
+          <p:cNvPr id="3" name="Text Box 2"/>
+          <p:cNvSpPr txBox="1"/>
+          <p:nvPr/>
+        </p:nvSpPr>
+        <p:spPr>
+          <a:xfrm>
+            <a:off x="344170" y="1859915"/>
+            <a:ext cx="8662035" cy="3969385"/>
+          </a:xfrm>
+          <a:prstGeom prst="rect">
+            <a:avLst/>
+          </a:prstGeom>
+          <a:noFill/>
+        </p:spPr>
+        <p:txBody>
+          <a:bodyPr wrap="square" rtlCol="0">
+            <a:spAutoFit/>
+          </a:bodyPr>
+          <a:p>
+            <a:r>
+              <a:rPr lang="zh-CN" altLang="en-US"/>
+              <a:t>上电或者复位，</a:t>
+            </a:r>
+            <a:r>
+              <a:rPr lang="en-US" altLang="zh-CN"/>
+              <a:t>LeonOS</a:t>
+            </a:r>
+            <a:r>
+              <a:rPr lang="zh-CN" altLang="en-US"/>
+              <a:t>核心开始执行（该核心可以被引导的处理器），从外部的</a:t>
+            </a:r>
+            <a:r>
+              <a:rPr lang="en-US" altLang="zh-CN"/>
+              <a:t>ROM</a:t>
+            </a:r>
+            <a:r>
+              <a:rPr lang="zh-CN" altLang="en-US"/>
+              <a:t>存储器（可以是片上</a:t>
+            </a:r>
+            <a:r>
+              <a:rPr lang="en-US" altLang="zh-CN"/>
+              <a:t>FLASH</a:t>
+            </a:r>
+            <a:r>
+              <a:rPr lang="zh-CN" altLang="en-US"/>
+              <a:t>或者</a:t>
+            </a:r>
+            <a:r>
+              <a:rPr lang="en-US" altLang="zh-CN"/>
+              <a:t>SPIbus</a:t>
+            </a:r>
+            <a:r>
+              <a:rPr lang="zh-CN" altLang="en-US"/>
+              <a:t>）。</a:t>
+            </a:r>
+            <a:r>
+              <a:rPr lang="en-US" altLang="zh-CN"/>
+              <a:t>bootloader</a:t>
+            </a:r>
+            <a:r>
+              <a:rPr lang="zh-CN" altLang="en-US"/>
+              <a:t>在运行</a:t>
+            </a:r>
+            <a:r>
+              <a:rPr lang="en-US" altLang="zh-CN"/>
+              <a:t>main</a:t>
+            </a:r>
+            <a:r>
+              <a:rPr lang="zh-CN" altLang="en-US"/>
+              <a:t>或者</a:t>
+            </a:r>
+            <a:r>
+              <a:rPr lang="en-US" altLang="zh-CN"/>
+              <a:t>POSIX_Init()</a:t>
+            </a:r>
+            <a:r>
+              <a:rPr lang="zh-CN" altLang="en-US"/>
+              <a:t>函数之前，需要做一下初始化。</a:t>
+            </a:r>
+            <a:endParaRPr lang="zh-CN" altLang="en-US"/>
+          </a:p>
+          <a:p>
+            <a:endParaRPr lang="zh-CN" altLang="en-US"/>
+          </a:p>
+          <a:p>
+            <a:r>
+              <a:rPr lang="zh-CN" altLang="en-US"/>
+              <a:t>中断服务中，无法很好的对浮点数据保存和恢复，所以在中断中使用浮点数据是不安全的。</a:t>
+            </a:r>
+            <a:endParaRPr lang="zh-CN" altLang="en-US"/>
+          </a:p>
+          <a:p>
+            <a:endParaRPr lang="en-US" altLang="zh-CN"/>
+          </a:p>
+          <a:p>
+            <a:r>
+              <a:rPr lang="en-US" altLang="zh-CN"/>
+              <a:t>LeonOS</a:t>
+            </a:r>
+            <a:r>
+              <a:rPr lang="zh-CN" altLang="en-US"/>
+              <a:t>核心可以从任何系统内存区域执行：</a:t>
+            </a:r>
+            <a:r>
+              <a:rPr lang="en-US" altLang="zh-CN"/>
+              <a:t>CMX</a:t>
+            </a:r>
+            <a:r>
+              <a:rPr lang="zh-CN" altLang="en-US"/>
+              <a:t>或者</a:t>
+            </a:r>
+            <a:r>
+              <a:rPr lang="en-US" altLang="zh-CN"/>
+              <a:t>DDR</a:t>
+            </a:r>
+            <a:endParaRPr lang="en-US" altLang="zh-CN"/>
+          </a:p>
+          <a:p>
+            <a:r>
+              <a:rPr lang="en-US" altLang="zh-CN"/>
+              <a:t>c/c++ : No console support,No file system support , No exception handling.</a:t>
+            </a:r>
+            <a:endParaRPr lang="en-US" altLang="zh-CN"/>
+          </a:p>
+          <a:p>
+            <a:r>
+              <a:rPr lang="en-US" altLang="zh-CN"/>
+              <a:t>The C std libraries libraries are implemented  using newlib/libgloss.</a:t>
+            </a:r>
+            <a:endParaRPr lang="en-US" altLang="zh-CN"/>
+          </a:p>
+          <a:p>
+            <a:endParaRPr lang="en-US" altLang="zh-CN"/>
+          </a:p>
+          <a:p>
+            <a:endParaRPr lang="en-US" altLang="zh-CN"/>
+          </a:p>
+          <a:p>
+            <a:r>
+              <a:rPr lang="en-US" altLang="zh-CN"/>
+              <a:t>SHAVE</a:t>
+            </a:r>
+            <a:r>
+              <a:rPr lang="zh-CN" altLang="en-US"/>
+              <a:t>核心主要用于数据处理，</a:t>
+            </a:r>
+            <a:endParaRPr lang="en-US" altLang="zh-CN"/>
+          </a:p>
+          <a:p>
+            <a:endParaRPr lang="en-US" altLang="zh-CN"/>
+          </a:p>
+        </p:txBody>
+      </p:sp>
     </p:spTree>
   </p:cSld>
   <p:clrMapOvr>
@@ -3813,21 +4498,57 @@
           </a:p>
         </p:txBody>
       </p:sp>
-      <p:sp>
-        <p:nvSpPr>
-          <p:cNvPr id="3" name="Content Placeholder 2"/>
-          <p:cNvSpPr>
-            <a:spLocks noGrp="1"/>
-          </p:cNvSpPr>
-          <p:nvPr>
-            <p:ph idx="1"/>
-          </p:nvPr>
-        </p:nvSpPr>
-        <p:spPr/>
-        <p:txBody>
-          <a:bodyPr/>
-          <a:p>
-            <a:endParaRPr lang="en-US"/>
+      <p:pic>
+        <p:nvPicPr>
+          <p:cNvPr id="4" name="Picture 3" descr="20220915"/>
+          <p:cNvPicPr>
+            <a:picLocks noChangeAspect="1"/>
+          </p:cNvPicPr>
+          <p:nvPr/>
+        </p:nvPicPr>
+        <p:blipFill>
+          <a:blip r:embed="rId1"/>
+          <a:srcRect l="39513" t="33972" r="8185" b="12315"/>
+          <a:stretch>
+            <a:fillRect/>
+          </a:stretch>
+        </p:blipFill>
+        <p:spPr>
+          <a:xfrm>
+            <a:off x="6224905" y="2006600"/>
+            <a:ext cx="6289675" cy="3683635"/>
+          </a:xfrm>
+          <a:prstGeom prst="rect">
+            <a:avLst/>
+          </a:prstGeom>
+        </p:spPr>
+      </p:pic>
+      <p:sp>
+        <p:nvSpPr>
+          <p:cNvPr id="7" name="Text Box 6"/>
+          <p:cNvSpPr txBox="1"/>
+          <p:nvPr/>
+        </p:nvSpPr>
+        <p:spPr>
+          <a:xfrm>
+            <a:off x="527050" y="1457960"/>
+            <a:ext cx="4458970" cy="368300"/>
+          </a:xfrm>
+          <a:prstGeom prst="rect">
+            <a:avLst/>
+          </a:prstGeom>
+          <a:noFill/>
+        </p:spPr>
+        <p:txBody>
+          <a:bodyPr wrap="square" rtlCol="0">
+            <a:spAutoFit/>
+          </a:bodyPr>
+          <a:p>
+            <a:r>
+              <a:rPr lang="zh-CN" altLang="en-US"/>
+              <a:t>内存存储流程</a:t>
+            </a:r>
+            <a:endParaRPr lang="en-US" altLang="zh-CN"/>
           </a:p>
         </p:txBody>
       </p:sp>
@@ -3859,13 +4580,18 @@
             <p:ph type="title"/>
           </p:nvPr>
         </p:nvSpPr>
-        <p:spPr/>
+        <p:spPr>
+          <a:xfrm>
+            <a:off x="647700" y="258445"/>
+            <a:ext cx="10506075" cy="647065"/>
+          </a:xfrm>
+        </p:spPr>
         <p:txBody>
           <a:bodyPr/>
           <a:p>
             <a:r>
               <a:rPr lang="en-US" altLang="zh-CN"/>
-              <a:t>BootLoader</a:t>
+              <a:t>update</a:t>
             </a:r>
             <a:endParaRPr lang="en-US" altLang="zh-CN"/>
           </a:p>
@@ -3873,18 +4599,696 @@
       </p:sp>
       <p:sp>
         <p:nvSpPr>
-          <p:cNvPr id="3" name="Content Placeholder 2"/>
-          <p:cNvSpPr>
-            <a:spLocks noGrp="1"/>
-          </p:cNvSpPr>
-          <p:nvPr>
-            <p:ph idx="1"/>
-          </p:nvPr>
-        </p:nvSpPr>
-        <p:spPr/>
-        <p:txBody>
-          <a:bodyPr/>
-          <a:p>
+          <p:cNvPr id="4" name="Rectangles 3"/>
+          <p:cNvSpPr/>
+          <p:nvPr/>
+        </p:nvSpPr>
+        <p:spPr>
+          <a:xfrm>
+            <a:off x="4390390" y="5076190"/>
+            <a:ext cx="701040" cy="1228090"/>
+          </a:xfrm>
+          <a:prstGeom prst="rect">
+            <a:avLst/>
+          </a:prstGeom>
+          <a:solidFill>
+            <a:schemeClr val="accent2">
+              <a:lumMod val="60000"/>
+              <a:lumOff val="40000"/>
+            </a:schemeClr>
+          </a:solidFill>
+        </p:spPr>
+        <p:style>
+          <a:lnRef idx="2">
+            <a:schemeClr val="accent1">
+              <a:shade val="50000"/>
+            </a:schemeClr>
+          </a:lnRef>
+          <a:fillRef idx="1">
+            <a:schemeClr val="accent1"/>
+          </a:fillRef>
+          <a:effectRef idx="0">
+            <a:schemeClr val="accent1"/>
+          </a:effectRef>
+          <a:fontRef idx="minor">
+            <a:schemeClr val="lt1"/>
+          </a:fontRef>
+        </p:style>
+        <p:txBody>
+          <a:bodyPr rtlCol="0" anchor="ctr"/>
+          <a:p>
+            <a:pPr algn="ctr"/>
+            <a:r>
+              <a:rPr lang="en-US"/>
+              <a:t>DFU</a:t>
+            </a:r>
+            <a:endParaRPr lang="en-US"/>
+          </a:p>
+        </p:txBody>
+      </p:sp>
+      <p:sp>
+        <p:nvSpPr>
+          <p:cNvPr id="5" name="Rounded Rectangle 4"/>
+          <p:cNvSpPr/>
+          <p:nvPr/>
+        </p:nvSpPr>
+        <p:spPr>
+          <a:xfrm>
+            <a:off x="271145" y="1393190"/>
+            <a:ext cx="1882775" cy="408940"/>
+          </a:xfrm>
+          <a:prstGeom prst="roundRect">
+            <a:avLst/>
+          </a:prstGeom>
+        </p:spPr>
+        <p:style>
+          <a:lnRef idx="2">
+            <a:schemeClr val="accent3">
+              <a:shade val="50000"/>
+            </a:schemeClr>
+          </a:lnRef>
+          <a:fillRef idx="1">
+            <a:schemeClr val="accent3"/>
+          </a:fillRef>
+          <a:effectRef idx="0">
+            <a:schemeClr val="accent3"/>
+          </a:effectRef>
+          <a:fontRef idx="minor">
+            <a:schemeClr val="lt1"/>
+          </a:fontRef>
+        </p:style>
+        <p:txBody>
+          <a:bodyPr rtlCol="0" anchor="ctr"/>
+          <a:p>
+            <a:pPr algn="ctr"/>
+            <a:r>
+              <a:rPr lang="en-US"/>
+              <a:t>framework.img</a:t>
+            </a:r>
+            <a:endParaRPr lang="en-US"/>
+          </a:p>
+        </p:txBody>
+      </p:sp>
+      <p:sp>
+        <p:nvSpPr>
+          <p:cNvPr id="6" name="Rounded Rectangle 5"/>
+          <p:cNvSpPr/>
+          <p:nvPr/>
+        </p:nvSpPr>
+        <p:spPr>
+          <a:xfrm>
+            <a:off x="271145" y="2212340"/>
+            <a:ext cx="1882775" cy="408940"/>
+          </a:xfrm>
+          <a:prstGeom prst="roundRect">
+            <a:avLst/>
+          </a:prstGeom>
+        </p:spPr>
+        <p:style>
+          <a:lnRef idx="2">
+            <a:schemeClr val="accent3">
+              <a:shade val="50000"/>
+            </a:schemeClr>
+          </a:lnRef>
+          <a:fillRef idx="1">
+            <a:schemeClr val="accent3"/>
+          </a:fillRef>
+          <a:effectRef idx="0">
+            <a:schemeClr val="accent3"/>
+          </a:effectRef>
+          <a:fontRef idx="minor">
+            <a:schemeClr val="lt1"/>
+          </a:fontRef>
+        </p:style>
+        <p:txBody>
+          <a:bodyPr rtlCol="0" anchor="ctr"/>
+          <a:p>
+            <a:pPr algn="ctr"/>
+            <a:r>
+              <a:rPr lang="en-US"/>
+              <a:t>usbloader.img</a:t>
+            </a:r>
+            <a:endParaRPr lang="en-US"/>
+          </a:p>
+        </p:txBody>
+      </p:sp>
+      <p:sp>
+        <p:nvSpPr>
+          <p:cNvPr id="7" name="Text Box 6"/>
+          <p:cNvSpPr txBox="1"/>
+          <p:nvPr/>
+        </p:nvSpPr>
+        <p:spPr>
+          <a:xfrm>
+            <a:off x="2200275" y="1477645"/>
+            <a:ext cx="1893570" cy="368300"/>
+          </a:xfrm>
+          <a:prstGeom prst="rect">
+            <a:avLst/>
+          </a:prstGeom>
+          <a:noFill/>
+        </p:spPr>
+        <p:txBody>
+          <a:bodyPr wrap="square" rtlCol="0">
+            <a:spAutoFit/>
+          </a:bodyPr>
+          <a:p>
+            <a:r>
+              <a:rPr lang="en-US"/>
+              <a:t>USB</a:t>
+            </a:r>
+            <a:r>
+              <a:rPr lang="zh-CN" altLang="en-US"/>
+              <a:t>：</a:t>
+            </a:r>
+            <a:r>
+              <a:rPr lang="en-US" altLang="zh-CN"/>
+              <a:t>DFU</a:t>
+            </a:r>
+            <a:r>
+              <a:rPr lang="zh-CN" altLang="en-US"/>
+              <a:t>协议</a:t>
+            </a:r>
+            <a:endParaRPr lang="zh-CN" altLang="en-US"/>
+          </a:p>
+        </p:txBody>
+      </p:sp>
+      <p:sp>
+        <p:nvSpPr>
+          <p:cNvPr id="9" name="Rounded Rectangle 8"/>
+          <p:cNvSpPr/>
+          <p:nvPr/>
+        </p:nvSpPr>
+        <p:spPr>
+          <a:xfrm>
+            <a:off x="4037330" y="1312545"/>
+            <a:ext cx="1314450" cy="1431925"/>
+          </a:xfrm>
+          <a:prstGeom prst="roundRect">
+            <a:avLst/>
+          </a:prstGeom>
+        </p:spPr>
+        <p:style>
+          <a:lnRef idx="2">
+            <a:schemeClr val="accent3">
+              <a:shade val="50000"/>
+            </a:schemeClr>
+          </a:lnRef>
+          <a:fillRef idx="1">
+            <a:schemeClr val="accent3"/>
+          </a:fillRef>
+          <a:effectRef idx="0">
+            <a:schemeClr val="accent3"/>
+          </a:effectRef>
+          <a:fontRef idx="minor">
+            <a:schemeClr val="lt1"/>
+          </a:fontRef>
+        </p:style>
+        <p:txBody>
+          <a:bodyPr rtlCol="0" anchor="ctr"/>
+          <a:p>
+            <a:pPr algn="ctr"/>
+            <a:r>
+              <a:rPr lang="en-US"/>
+              <a:t>LeonOS</a:t>
+            </a:r>
+            <a:endParaRPr lang="en-US"/>
+          </a:p>
+        </p:txBody>
+      </p:sp>
+      <p:sp>
+        <p:nvSpPr>
+          <p:cNvPr id="10" name="Striped Right Arrow 9"/>
+          <p:cNvSpPr/>
+          <p:nvPr/>
+        </p:nvSpPr>
+        <p:spPr>
+          <a:xfrm>
+            <a:off x="2376170" y="1845945"/>
+            <a:ext cx="1541780" cy="365760"/>
+          </a:xfrm>
+          <a:prstGeom prst="stripedRightArrow">
+            <a:avLst/>
+          </a:prstGeom>
+        </p:spPr>
+        <p:style>
+          <a:lnRef idx="2">
+            <a:schemeClr val="accent3">
+              <a:shade val="50000"/>
+            </a:schemeClr>
+          </a:lnRef>
+          <a:fillRef idx="1">
+            <a:schemeClr val="accent3"/>
+          </a:fillRef>
+          <a:effectRef idx="0">
+            <a:schemeClr val="accent3"/>
+          </a:effectRef>
+          <a:fontRef idx="minor">
+            <a:schemeClr val="lt1"/>
+          </a:fontRef>
+        </p:style>
+        <p:txBody>
+          <a:bodyPr rtlCol="0" anchor="ctr"/>
+          <a:p>
+            <a:pPr algn="ctr"/>
+            <a:endParaRPr lang="en-US"/>
+          </a:p>
+        </p:txBody>
+      </p:sp>
+      <p:sp>
+        <p:nvSpPr>
+          <p:cNvPr id="11" name="Rounded Rectangle 10"/>
+          <p:cNvSpPr/>
+          <p:nvPr/>
+        </p:nvSpPr>
+        <p:spPr>
+          <a:xfrm>
+            <a:off x="6708140" y="1722755"/>
+            <a:ext cx="991870" cy="614045"/>
+          </a:xfrm>
+          <a:prstGeom prst="roundRect">
+            <a:avLst/>
+          </a:prstGeom>
+        </p:spPr>
+        <p:style>
+          <a:lnRef idx="2">
+            <a:schemeClr val="accent3">
+              <a:shade val="50000"/>
+            </a:schemeClr>
+          </a:lnRef>
+          <a:fillRef idx="1">
+            <a:schemeClr val="accent3"/>
+          </a:fillRef>
+          <a:effectRef idx="0">
+            <a:schemeClr val="accent3"/>
+          </a:effectRef>
+          <a:fontRef idx="minor">
+            <a:schemeClr val="lt1"/>
+          </a:fontRef>
+        </p:style>
+        <p:txBody>
+          <a:bodyPr rtlCol="0" anchor="ctr"/>
+          <a:p>
+            <a:pPr algn="ctr"/>
+            <a:r>
+              <a:rPr lang="en-US"/>
+              <a:t>Flash</a:t>
+            </a:r>
+            <a:endParaRPr lang="en-US"/>
+          </a:p>
+        </p:txBody>
+      </p:sp>
+      <p:sp>
+        <p:nvSpPr>
+          <p:cNvPr id="12" name="Striped Right Arrow 11"/>
+          <p:cNvSpPr/>
+          <p:nvPr/>
+        </p:nvSpPr>
+        <p:spPr>
+          <a:xfrm>
+            <a:off x="5858510" y="1860550"/>
+            <a:ext cx="806450" cy="365760"/>
+          </a:xfrm>
+          <a:prstGeom prst="stripedRightArrow">
+            <a:avLst>
+              <a:gd name="adj1" fmla="val 50000"/>
+              <a:gd name="adj2" fmla="val 50000"/>
+            </a:avLst>
+          </a:prstGeom>
+        </p:spPr>
+        <p:style>
+          <a:lnRef idx="2">
+            <a:schemeClr val="accent3">
+              <a:shade val="50000"/>
+            </a:schemeClr>
+          </a:lnRef>
+          <a:fillRef idx="1">
+            <a:schemeClr val="accent3"/>
+          </a:fillRef>
+          <a:effectRef idx="0">
+            <a:schemeClr val="accent3"/>
+          </a:effectRef>
+          <a:fontRef idx="minor">
+            <a:schemeClr val="lt1"/>
+          </a:fontRef>
+        </p:style>
+        <p:txBody>
+          <a:bodyPr rtlCol="0" anchor="ctr"/>
+          <a:p>
+            <a:pPr algn="ctr"/>
+            <a:endParaRPr lang="en-US"/>
+          </a:p>
+        </p:txBody>
+      </p:sp>
+      <p:sp>
+        <p:nvSpPr>
+          <p:cNvPr id="13" name="Text Box 12"/>
+          <p:cNvSpPr txBox="1"/>
+          <p:nvPr/>
+        </p:nvSpPr>
+        <p:spPr>
+          <a:xfrm>
+            <a:off x="5933440" y="1627505"/>
+            <a:ext cx="1292860" cy="368300"/>
+          </a:xfrm>
+          <a:prstGeom prst="rect">
+            <a:avLst/>
+          </a:prstGeom>
+          <a:noFill/>
+        </p:spPr>
+        <p:txBody>
+          <a:bodyPr wrap="square" rtlCol="0">
+            <a:spAutoFit/>
+          </a:bodyPr>
+          <a:p>
+            <a:r>
+              <a:rPr lang="en-US"/>
+              <a:t>SPI</a:t>
+            </a:r>
+            <a:endParaRPr lang="en-US"/>
+          </a:p>
+        </p:txBody>
+      </p:sp>
+      <p:sp>
+        <p:nvSpPr>
+          <p:cNvPr id="15" name="Rounded Rectangular Callout 14"/>
+          <p:cNvSpPr/>
+          <p:nvPr/>
+        </p:nvSpPr>
+        <p:spPr>
+          <a:xfrm>
+            <a:off x="4555490" y="161290"/>
+            <a:ext cx="1377950" cy="1002030"/>
+          </a:xfrm>
+          <a:prstGeom prst="wedgeRoundRectCallout">
+            <a:avLst/>
+          </a:prstGeom>
+        </p:spPr>
+        <p:style>
+          <a:lnRef idx="2">
+            <a:schemeClr val="accent6"/>
+          </a:lnRef>
+          <a:fillRef idx="1">
+            <a:schemeClr val="lt1"/>
+          </a:fillRef>
+          <a:effectRef idx="0">
+            <a:schemeClr val="accent6"/>
+          </a:effectRef>
+          <a:fontRef idx="minor">
+            <a:schemeClr val="dk1"/>
+          </a:fontRef>
+        </p:style>
+        <p:txBody>
+          <a:bodyPr rtlCol="0" anchor="ctr"/>
+          <a:p>
+            <a:pPr algn="ctr"/>
+            <a:r>
+              <a:rPr lang="zh-CN" altLang="en-US"/>
+              <a:t>设备处于</a:t>
+            </a:r>
+            <a:r>
+              <a:rPr lang="en-US" altLang="zh-CN"/>
+              <a:t>DFU</a:t>
+            </a:r>
+            <a:r>
+              <a:rPr lang="zh-CN" altLang="en-US"/>
+              <a:t>模式</a:t>
+            </a:r>
+            <a:endParaRPr lang="zh-CN" altLang="en-US"/>
+          </a:p>
+        </p:txBody>
+      </p:sp>
+      <p:sp>
+        <p:nvSpPr>
+          <p:cNvPr id="16" name="Rounded Rectangle 15"/>
+          <p:cNvSpPr/>
+          <p:nvPr/>
+        </p:nvSpPr>
+        <p:spPr>
+          <a:xfrm>
+            <a:off x="271145" y="3321685"/>
+            <a:ext cx="1882775" cy="408940"/>
+          </a:xfrm>
+          <a:prstGeom prst="roundRect">
+            <a:avLst/>
+          </a:prstGeom>
+        </p:spPr>
+        <p:style>
+          <a:lnRef idx="2">
+            <a:schemeClr val="accent3">
+              <a:shade val="50000"/>
+            </a:schemeClr>
+          </a:lnRef>
+          <a:fillRef idx="1">
+            <a:schemeClr val="accent3"/>
+          </a:fillRef>
+          <a:effectRef idx="0">
+            <a:schemeClr val="accent3"/>
+          </a:effectRef>
+          <a:fontRef idx="minor">
+            <a:schemeClr val="lt1"/>
+          </a:fontRef>
+        </p:style>
+        <p:txBody>
+          <a:bodyPr rtlCol="0" anchor="ctr"/>
+          <a:p>
+            <a:pPr algn="ctr"/>
+            <a:r>
+              <a:rPr lang="en-US"/>
+              <a:t>usbloader.mvcmd</a:t>
+            </a:r>
+            <a:endParaRPr lang="en-US"/>
+          </a:p>
+        </p:txBody>
+      </p:sp>
+      <p:sp>
+        <p:nvSpPr>
+          <p:cNvPr id="17" name="Rounded Rectangle 16"/>
+          <p:cNvSpPr/>
+          <p:nvPr/>
+        </p:nvSpPr>
+        <p:spPr>
+          <a:xfrm>
+            <a:off x="975995" y="5135245"/>
+            <a:ext cx="1077595" cy="1109345"/>
+          </a:xfrm>
+          <a:prstGeom prst="roundRect">
+            <a:avLst/>
+          </a:prstGeom>
+        </p:spPr>
+        <p:style>
+          <a:lnRef idx="2">
+            <a:schemeClr val="accent3">
+              <a:shade val="50000"/>
+            </a:schemeClr>
+          </a:lnRef>
+          <a:fillRef idx="1">
+            <a:schemeClr val="accent3"/>
+          </a:fillRef>
+          <a:effectRef idx="0">
+            <a:schemeClr val="accent3"/>
+          </a:effectRef>
+          <a:fontRef idx="minor">
+            <a:schemeClr val="lt1"/>
+          </a:fontRef>
+        </p:style>
+        <p:txBody>
+          <a:bodyPr rtlCol="0" anchor="ctr"/>
+          <a:p>
+            <a:pPr algn="ctr"/>
+            <a:r>
+              <a:rPr lang="en-US"/>
+              <a:t>LeonRT</a:t>
+            </a:r>
+            <a:endParaRPr lang="en-US"/>
+          </a:p>
+        </p:txBody>
+      </p:sp>
+      <p:sp>
+        <p:nvSpPr>
+          <p:cNvPr id="18" name="Rounded Rectangle 17"/>
+          <p:cNvSpPr/>
+          <p:nvPr/>
+        </p:nvSpPr>
+        <p:spPr>
+          <a:xfrm>
+            <a:off x="2459990" y="5135245"/>
+            <a:ext cx="1217295" cy="1120775"/>
+          </a:xfrm>
+          <a:prstGeom prst="roundRect">
+            <a:avLst/>
+          </a:prstGeom>
+        </p:spPr>
+        <p:style>
+          <a:lnRef idx="2">
+            <a:schemeClr val="accent3">
+              <a:shade val="50000"/>
+            </a:schemeClr>
+          </a:lnRef>
+          <a:fillRef idx="1">
+            <a:schemeClr val="accent3"/>
+          </a:fillRef>
+          <a:effectRef idx="0">
+            <a:schemeClr val="accent3"/>
+          </a:effectRef>
+          <a:fontRef idx="minor">
+            <a:schemeClr val="lt1"/>
+          </a:fontRef>
+        </p:style>
+        <p:txBody>
+          <a:bodyPr rtlCol="0" anchor="ctr"/>
+          <a:p>
+            <a:pPr algn="ctr"/>
+            <a:r>
+              <a:rPr lang="en-US"/>
+              <a:t>SHAVES</a:t>
+            </a:r>
+            <a:endParaRPr lang="en-US"/>
+          </a:p>
+        </p:txBody>
+      </p:sp>
+      <p:sp>
+        <p:nvSpPr>
+          <p:cNvPr id="19" name="Rectangles 18"/>
+          <p:cNvSpPr/>
+          <p:nvPr/>
+        </p:nvSpPr>
+        <p:spPr>
+          <a:xfrm>
+            <a:off x="5442585" y="5076190"/>
+            <a:ext cx="916305" cy="1227455"/>
+          </a:xfrm>
+          <a:prstGeom prst="rect">
+            <a:avLst/>
+          </a:prstGeom>
+          <a:solidFill>
+            <a:schemeClr val="accent2">
+              <a:lumMod val="60000"/>
+              <a:lumOff val="40000"/>
+            </a:schemeClr>
+          </a:solidFill>
+        </p:spPr>
+        <p:style>
+          <a:lnRef idx="2">
+            <a:schemeClr val="accent1">
+              <a:shade val="50000"/>
+            </a:schemeClr>
+          </a:lnRef>
+          <a:fillRef idx="1">
+            <a:schemeClr val="accent1"/>
+          </a:fillRef>
+          <a:effectRef idx="0">
+            <a:schemeClr val="accent1"/>
+          </a:effectRef>
+          <a:fontRef idx="minor">
+            <a:schemeClr val="lt1"/>
+          </a:fontRef>
+        </p:style>
+        <p:txBody>
+          <a:bodyPr rtlCol="0" anchor="ctr"/>
+          <a:p>
+            <a:pPr algn="ctr"/>
+            <a:r>
+              <a:rPr lang="en-US"/>
+              <a:t>JTAG</a:t>
+            </a:r>
+            <a:endParaRPr lang="en-US"/>
+          </a:p>
+        </p:txBody>
+      </p:sp>
+      <p:sp>
+        <p:nvSpPr>
+          <p:cNvPr id="20" name="Rectangles 19"/>
+          <p:cNvSpPr/>
+          <p:nvPr/>
+        </p:nvSpPr>
+        <p:spPr>
+          <a:xfrm>
+            <a:off x="6710045" y="5081905"/>
+            <a:ext cx="1120775" cy="1227455"/>
+          </a:xfrm>
+          <a:prstGeom prst="rect">
+            <a:avLst/>
+          </a:prstGeom>
+          <a:solidFill>
+            <a:schemeClr val="accent2">
+              <a:lumMod val="60000"/>
+              <a:lumOff val="40000"/>
+            </a:schemeClr>
+          </a:solidFill>
+        </p:spPr>
+        <p:style>
+          <a:lnRef idx="2">
+            <a:schemeClr val="accent1">
+              <a:shade val="50000"/>
+            </a:schemeClr>
+          </a:lnRef>
+          <a:fillRef idx="1">
+            <a:schemeClr val="accent1"/>
+          </a:fillRef>
+          <a:effectRef idx="0">
+            <a:schemeClr val="accent1"/>
+          </a:effectRef>
+          <a:fontRef idx="minor">
+            <a:schemeClr val="lt1"/>
+          </a:fontRef>
+        </p:style>
+        <p:txBody>
+          <a:bodyPr rtlCol="0" anchor="ctr"/>
+          <a:p>
+            <a:pPr algn="ctr"/>
+            <a:r>
+              <a:rPr lang="en-US"/>
+              <a:t>RTEMS</a:t>
+            </a:r>
+            <a:endParaRPr lang="en-US"/>
+          </a:p>
+        </p:txBody>
+      </p:sp>
+      <p:sp>
+        <p:nvSpPr>
+          <p:cNvPr id="22" name="Rectangles 21"/>
+          <p:cNvSpPr/>
+          <p:nvPr/>
+        </p:nvSpPr>
+        <p:spPr>
+          <a:xfrm>
+            <a:off x="8181975" y="5514340"/>
+            <a:ext cx="1120775" cy="592455"/>
+          </a:xfrm>
+          <a:prstGeom prst="rect">
+            <a:avLst/>
+          </a:prstGeom>
+          <a:solidFill>
+            <a:schemeClr val="bg2">
+              <a:lumMod val="75000"/>
+            </a:schemeClr>
+          </a:solidFill>
+        </p:spPr>
+        <p:style>
+          <a:lnRef idx="2">
+            <a:schemeClr val="accent1">
+              <a:shade val="50000"/>
+            </a:schemeClr>
+          </a:lnRef>
+          <a:fillRef idx="1">
+            <a:schemeClr val="accent1"/>
+          </a:fillRef>
+          <a:effectRef idx="0">
+            <a:schemeClr val="accent1"/>
+          </a:effectRef>
+          <a:fontRef idx="minor">
+            <a:schemeClr val="lt1"/>
+          </a:fontRef>
+        </p:style>
+        <p:txBody>
+          <a:bodyPr rtlCol="0" anchor="ctr"/>
+          <a:p>
+            <a:pPr algn="ctr"/>
+            <a:r>
+              <a:rPr lang="en-US"/>
+              <a:t>USB</a:t>
+            </a:r>
             <a:endParaRPr lang="en-US"/>
           </a:p>
         </p:txBody>
@@ -3922,31 +5326,1334 @@
           <a:bodyPr/>
           <a:p>
             <a:r>
-              <a:rPr lang="zh-CN" altLang="en-US"/>
-              <a:t>仿真运行</a:t>
-            </a:r>
-            <a:endParaRPr lang="zh-CN" altLang="en-US"/>
-          </a:p>
-        </p:txBody>
-      </p:sp>
-      <p:sp>
-        <p:nvSpPr>
-          <p:cNvPr id="3" name="Content Placeholder 2"/>
-          <p:cNvSpPr>
-            <a:spLocks noGrp="1"/>
-          </p:cNvSpPr>
-          <p:nvPr>
-            <p:ph idx="1"/>
-          </p:nvPr>
-        </p:nvSpPr>
-        <p:spPr/>
-        <p:txBody>
-          <a:bodyPr/>
-          <a:p>
+              <a:rPr lang="en-US"/>
+              <a:t>Main build target</a:t>
+            </a:r>
             <a:endParaRPr lang="en-US"/>
           </a:p>
         </p:txBody>
       </p:sp>
+      <p:sp>
+        <p:nvSpPr>
+          <p:cNvPr id="20" name="Rectangles 19"/>
+          <p:cNvSpPr/>
+          <p:nvPr/>
+        </p:nvSpPr>
+        <p:spPr>
+          <a:xfrm>
+            <a:off x="204470" y="1442085"/>
+            <a:ext cx="1120775" cy="592455"/>
+          </a:xfrm>
+          <a:prstGeom prst="rect">
+            <a:avLst/>
+          </a:prstGeom>
+          <a:solidFill>
+            <a:schemeClr val="accent2">
+              <a:lumMod val="60000"/>
+              <a:lumOff val="40000"/>
+            </a:schemeClr>
+          </a:solidFill>
+        </p:spPr>
+        <p:style>
+          <a:lnRef idx="2">
+            <a:schemeClr val="accent1">
+              <a:shade val="50000"/>
+            </a:schemeClr>
+          </a:lnRef>
+          <a:fillRef idx="1">
+            <a:schemeClr val="accent1"/>
+          </a:fillRef>
+          <a:effectRef idx="0">
+            <a:schemeClr val="accent1"/>
+          </a:effectRef>
+          <a:fontRef idx="minor">
+            <a:schemeClr val="lt1"/>
+          </a:fontRef>
+        </p:style>
+        <p:txBody>
+          <a:bodyPr rtlCol="0" anchor="ctr"/>
+          <a:p>
+            <a:pPr algn="ctr"/>
+            <a:r>
+              <a:rPr lang="en-US"/>
+              <a:t>SLAM</a:t>
+            </a:r>
+            <a:endParaRPr lang="en-US"/>
+          </a:p>
+        </p:txBody>
+      </p:sp>
+      <p:sp>
+        <p:nvSpPr>
+          <p:cNvPr id="4" name="Rectangles 3"/>
+          <p:cNvSpPr/>
+          <p:nvPr/>
+        </p:nvSpPr>
+        <p:spPr>
+          <a:xfrm>
+            <a:off x="1421765" y="1431290"/>
+            <a:ext cx="1121410" cy="603250"/>
+          </a:xfrm>
+          <a:prstGeom prst="rect">
+            <a:avLst/>
+          </a:prstGeom>
+          <a:solidFill>
+            <a:schemeClr val="accent2">
+              <a:lumMod val="60000"/>
+              <a:lumOff val="40000"/>
+            </a:schemeClr>
+          </a:solidFill>
+        </p:spPr>
+        <p:style>
+          <a:lnRef idx="2">
+            <a:schemeClr val="accent1">
+              <a:shade val="50000"/>
+            </a:schemeClr>
+          </a:lnRef>
+          <a:fillRef idx="1">
+            <a:schemeClr val="accent1"/>
+          </a:fillRef>
+          <a:effectRef idx="0">
+            <a:schemeClr val="accent1"/>
+          </a:effectRef>
+          <a:fontRef idx="minor">
+            <a:schemeClr val="lt1"/>
+          </a:fontRef>
+        </p:style>
+        <p:txBody>
+          <a:bodyPr rtlCol="0" anchor="ctr"/>
+          <a:p>
+            <a:pPr algn="ctr"/>
+            <a:r>
+              <a:rPr lang="en-US"/>
+              <a:t>Fisheye</a:t>
+            </a:r>
+            <a:endParaRPr lang="en-US"/>
+          </a:p>
+        </p:txBody>
+      </p:sp>
+      <p:sp>
+        <p:nvSpPr>
+          <p:cNvPr id="5" name="Rectangles 4"/>
+          <p:cNvSpPr/>
+          <p:nvPr/>
+        </p:nvSpPr>
+        <p:spPr>
+          <a:xfrm>
+            <a:off x="2735580" y="1431290"/>
+            <a:ext cx="1121410" cy="603250"/>
+          </a:xfrm>
+          <a:prstGeom prst="rect">
+            <a:avLst/>
+          </a:prstGeom>
+          <a:solidFill>
+            <a:schemeClr val="accent2">
+              <a:lumMod val="60000"/>
+              <a:lumOff val="40000"/>
+            </a:schemeClr>
+          </a:solidFill>
+        </p:spPr>
+        <p:style>
+          <a:lnRef idx="2">
+            <a:schemeClr val="accent1">
+              <a:shade val="50000"/>
+            </a:schemeClr>
+          </a:lnRef>
+          <a:fillRef idx="1">
+            <a:schemeClr val="accent1"/>
+          </a:fillRef>
+          <a:effectRef idx="0">
+            <a:schemeClr val="accent1"/>
+          </a:effectRef>
+          <a:fontRef idx="minor">
+            <a:schemeClr val="lt1"/>
+          </a:fontRef>
+        </p:style>
+        <p:txBody>
+          <a:bodyPr rtlCol="0" anchor="ctr"/>
+          <a:p>
+            <a:pPr algn="ctr"/>
+            <a:r>
+              <a:rPr lang="en-US"/>
+              <a:t>imu</a:t>
+            </a:r>
+            <a:endParaRPr lang="en-US"/>
+          </a:p>
+        </p:txBody>
+      </p:sp>
+      <p:grpSp>
+        <p:nvGrpSpPr>
+          <p:cNvPr id="38" name="Group 37"/>
+          <p:cNvGrpSpPr/>
+          <p:nvPr/>
+        </p:nvGrpSpPr>
+        <p:grpSpPr>
+          <a:xfrm>
+            <a:off x="5849620" y="550545"/>
+            <a:ext cx="5884545" cy="4282440"/>
+            <a:chOff x="9212" y="867"/>
+            <a:chExt cx="9401" cy="4531"/>
+          </a:xfrm>
+        </p:grpSpPr>
+        <p:sp>
+          <p:nvSpPr>
+            <p:cNvPr id="10" name="Rectangles 9"/>
+            <p:cNvSpPr/>
+            <p:nvPr/>
+          </p:nvSpPr>
+          <p:spPr>
+            <a:xfrm>
+              <a:off x="11278" y="1447"/>
+              <a:ext cx="4206" cy="492"/>
+            </a:xfrm>
+            <a:prstGeom prst="rect">
+              <a:avLst/>
+            </a:prstGeom>
+            <a:solidFill>
+              <a:schemeClr val="bg1"/>
+            </a:solidFill>
+            <a:ln>
+              <a:solidFill>
+                <a:schemeClr val="tx1"/>
+              </a:solidFill>
+            </a:ln>
+          </p:spPr>
+          <p:style>
+            <a:lnRef idx="2">
+              <a:schemeClr val="accent1">
+                <a:shade val="50000"/>
+              </a:schemeClr>
+            </a:lnRef>
+            <a:fillRef idx="1">
+              <a:schemeClr val="accent1"/>
+            </a:fillRef>
+            <a:effectRef idx="0">
+              <a:schemeClr val="accent1"/>
+            </a:effectRef>
+            <a:fontRef idx="minor">
+              <a:schemeClr val="lt1"/>
+            </a:fontRef>
+          </p:style>
+          <p:txBody>
+            <a:bodyPr rtlCol="0" anchor="ctr">
+              <a:scene3d>
+                <a:camera prst="orthographicFront"/>
+                <a:lightRig rig="threePt" dir="t"/>
+              </a:scene3d>
+            </a:bodyPr>
+            <a:p>
+              <a:pPr algn="ctr"/>
+              <a:r>
+                <a:rPr lang="en-US">
+                  <a:ln/>
+                  <a:solidFill>
+                    <a:schemeClr val="tx1"/>
+                  </a:solidFill>
+                  <a:effectLst>
+                    <a:outerShdw blurRad="38100" dist="19050" dir="2700000" algn="tl" rotWithShape="0">
+                      <a:schemeClr val="dk1">
+                        <a:alpha val="40000"/>
+                      </a:schemeClr>
+                    </a:outerShdw>
+                  </a:effectLst>
+                </a:rPr>
+                <a:t>FLAG(64KB)</a:t>
+              </a:r>
+              <a:endParaRPr lang="en-US">
+                <a:ln/>
+                <a:solidFill>
+                  <a:schemeClr val="tx1"/>
+                </a:solidFill>
+                <a:effectLst>
+                  <a:outerShdw blurRad="38100" dist="19050" dir="2700000" algn="tl" rotWithShape="0">
+                    <a:schemeClr val="dk1">
+                      <a:alpha val="40000"/>
+                    </a:schemeClr>
+                  </a:outerShdw>
+                </a:effectLst>
+              </a:endParaRPr>
+            </a:p>
+          </p:txBody>
+        </p:sp>
+        <p:sp>
+          <p:nvSpPr>
+            <p:cNvPr id="11" name="Rectangles 10"/>
+            <p:cNvSpPr/>
+            <p:nvPr/>
+          </p:nvSpPr>
+          <p:spPr>
+            <a:xfrm>
+              <a:off x="11278" y="1939"/>
+              <a:ext cx="4206" cy="492"/>
+            </a:xfrm>
+            <a:prstGeom prst="rect">
+              <a:avLst/>
+            </a:prstGeom>
+            <a:solidFill>
+              <a:schemeClr val="bg1"/>
+            </a:solidFill>
+            <a:ln>
+              <a:solidFill>
+                <a:schemeClr val="tx1"/>
+              </a:solidFill>
+            </a:ln>
+          </p:spPr>
+          <p:style>
+            <a:lnRef idx="2">
+              <a:schemeClr val="accent1">
+                <a:shade val="50000"/>
+              </a:schemeClr>
+            </a:lnRef>
+            <a:fillRef idx="1">
+              <a:schemeClr val="accent1"/>
+            </a:fillRef>
+            <a:effectRef idx="0">
+              <a:schemeClr val="accent1"/>
+            </a:effectRef>
+            <a:fontRef idx="minor">
+              <a:schemeClr val="lt1"/>
+            </a:fontRef>
+          </p:style>
+          <p:txBody>
+            <a:bodyPr rtlCol="0" anchor="ctr">
+              <a:scene3d>
+                <a:camera prst="orthographicFront"/>
+                <a:lightRig rig="threePt" dir="t"/>
+              </a:scene3d>
+            </a:bodyPr>
+            <a:p>
+              <a:pPr algn="ctr"/>
+              <a:r>
+                <a:rPr lang="en-US">
+                  <a:ln/>
+                  <a:solidFill>
+                    <a:schemeClr val="tx1"/>
+                  </a:solidFill>
+                  <a:effectLst>
+                    <a:outerShdw blurRad="38100" dist="19050" dir="2700000" algn="tl" rotWithShape="0">
+                      <a:schemeClr val="dk1">
+                        <a:alpha val="40000"/>
+                      </a:schemeClr>
+                    </a:outerShdw>
+                  </a:effectLst>
+                </a:rPr>
+                <a:t>calib</a:t>
+              </a:r>
+              <a:endParaRPr lang="en-US">
+                <a:ln/>
+                <a:solidFill>
+                  <a:schemeClr val="tx1"/>
+                </a:solidFill>
+                <a:effectLst>
+                  <a:outerShdw blurRad="38100" dist="19050" dir="2700000" algn="tl" rotWithShape="0">
+                    <a:schemeClr val="dk1">
+                      <a:alpha val="40000"/>
+                    </a:schemeClr>
+                  </a:outerShdw>
+                </a:effectLst>
+              </a:endParaRPr>
+            </a:p>
+          </p:txBody>
+        </p:sp>
+        <p:sp>
+          <p:nvSpPr>
+            <p:cNvPr id="12" name="Text Box 11"/>
+            <p:cNvSpPr txBox="1"/>
+            <p:nvPr/>
+          </p:nvSpPr>
+          <p:spPr>
+            <a:xfrm>
+              <a:off x="9290" y="1262"/>
+              <a:ext cx="1988" cy="292"/>
+            </a:xfrm>
+            <a:prstGeom prst="rect">
+              <a:avLst/>
+            </a:prstGeom>
+            <a:noFill/>
+          </p:spPr>
+          <p:txBody>
+            <a:bodyPr wrap="square" rtlCol="0">
+              <a:spAutoFit/>
+            </a:bodyPr>
+            <a:p>
+              <a:pPr algn="r"/>
+              <a:r>
+                <a:rPr lang="en-US" sz="1200"/>
+                <a:t>0x1000000</a:t>
+              </a:r>
+              <a:endParaRPr lang="en-US" sz="1200"/>
+            </a:p>
+          </p:txBody>
+        </p:sp>
+        <p:sp>
+          <p:nvSpPr>
+            <p:cNvPr id="13" name="Text Box 12"/>
+            <p:cNvSpPr txBox="1"/>
+            <p:nvPr/>
+          </p:nvSpPr>
+          <p:spPr>
+            <a:xfrm>
+              <a:off x="12372" y="867"/>
+              <a:ext cx="1838" cy="390"/>
+            </a:xfrm>
+            <a:prstGeom prst="rect">
+              <a:avLst/>
+            </a:prstGeom>
+            <a:noFill/>
+          </p:spPr>
+          <p:txBody>
+            <a:bodyPr wrap="square" rtlCol="0">
+              <a:spAutoFit/>
+            </a:bodyPr>
+            <a:p>
+              <a:r>
+                <a:rPr lang="en-US"/>
+                <a:t>16Mflash</a:t>
+              </a:r>
+              <a:endParaRPr lang="en-US"/>
+            </a:p>
+          </p:txBody>
+        </p:sp>
+        <p:sp>
+          <p:nvSpPr>
+            <p:cNvPr id="14" name="Text Box 13"/>
+            <p:cNvSpPr txBox="1"/>
+            <p:nvPr/>
+          </p:nvSpPr>
+          <p:spPr>
+            <a:xfrm>
+              <a:off x="9222" y="1724"/>
+              <a:ext cx="2056" cy="292"/>
+            </a:xfrm>
+            <a:prstGeom prst="rect">
+              <a:avLst/>
+            </a:prstGeom>
+            <a:noFill/>
+          </p:spPr>
+          <p:txBody>
+            <a:bodyPr wrap="square" rtlCol="0">
+              <a:spAutoFit/>
+            </a:bodyPr>
+            <a:p>
+              <a:pPr algn="r"/>
+              <a:r>
+                <a:rPr lang="en-US" sz="1200"/>
+                <a:t>0xFF0000</a:t>
+              </a:r>
+              <a:endParaRPr lang="en-US" sz="1200"/>
+            </a:p>
+          </p:txBody>
+        </p:sp>
+        <p:sp>
+          <p:nvSpPr>
+            <p:cNvPr id="15" name="Text Box 14"/>
+            <p:cNvSpPr txBox="1"/>
+            <p:nvPr/>
+          </p:nvSpPr>
+          <p:spPr>
+            <a:xfrm>
+              <a:off x="15484" y="1505"/>
+              <a:ext cx="1395" cy="292"/>
+            </a:xfrm>
+            <a:prstGeom prst="rect">
+              <a:avLst/>
+            </a:prstGeom>
+            <a:noFill/>
+          </p:spPr>
+          <p:txBody>
+            <a:bodyPr wrap="square" rtlCol="0">
+              <a:spAutoFit/>
+            </a:bodyPr>
+            <a:p>
+              <a:r>
+                <a:rPr lang="en-US" sz="1200"/>
+                <a:t>64KB</a:t>
+              </a:r>
+              <a:endParaRPr lang="en-US" sz="1200"/>
+            </a:p>
+          </p:txBody>
+        </p:sp>
+        <p:sp>
+          <p:nvSpPr>
+            <p:cNvPr id="16" name="Text Box 15"/>
+            <p:cNvSpPr txBox="1"/>
+            <p:nvPr/>
+          </p:nvSpPr>
+          <p:spPr>
+            <a:xfrm>
+              <a:off x="9212" y="2186"/>
+              <a:ext cx="2056" cy="292"/>
+            </a:xfrm>
+            <a:prstGeom prst="rect">
+              <a:avLst/>
+            </a:prstGeom>
+            <a:noFill/>
+          </p:spPr>
+          <p:txBody>
+            <a:bodyPr wrap="square" rtlCol="0">
+              <a:spAutoFit/>
+            </a:bodyPr>
+            <a:p>
+              <a:pPr algn="r"/>
+              <a:r>
+                <a:rPr lang="en-US" sz="1200"/>
+                <a:t>0xFE0000</a:t>
+              </a:r>
+              <a:endParaRPr lang="en-US" sz="1200"/>
+            </a:p>
+          </p:txBody>
+        </p:sp>
+        <p:sp>
+          <p:nvSpPr>
+            <p:cNvPr id="17" name="Rectangles 16"/>
+            <p:cNvSpPr/>
+            <p:nvPr/>
+          </p:nvSpPr>
+          <p:spPr>
+            <a:xfrm>
+              <a:off x="11278" y="2431"/>
+              <a:ext cx="4206" cy="492"/>
+            </a:xfrm>
+            <a:prstGeom prst="rect">
+              <a:avLst/>
+            </a:prstGeom>
+            <a:solidFill>
+              <a:schemeClr val="bg1"/>
+            </a:solidFill>
+            <a:ln>
+              <a:solidFill>
+                <a:schemeClr val="tx1"/>
+              </a:solidFill>
+            </a:ln>
+          </p:spPr>
+          <p:style>
+            <a:lnRef idx="2">
+              <a:schemeClr val="accent1">
+                <a:shade val="50000"/>
+              </a:schemeClr>
+            </a:lnRef>
+            <a:fillRef idx="1">
+              <a:schemeClr val="accent1"/>
+            </a:fillRef>
+            <a:effectRef idx="0">
+              <a:schemeClr val="accent1"/>
+            </a:effectRef>
+            <a:fontRef idx="minor">
+              <a:schemeClr val="lt1"/>
+            </a:fontRef>
+          </p:style>
+          <p:txBody>
+            <a:bodyPr rtlCol="0" anchor="ctr">
+              <a:scene3d>
+                <a:camera prst="orthographicFront"/>
+                <a:lightRig rig="threePt" dir="t"/>
+              </a:scene3d>
+            </a:bodyPr>
+            <a:p>
+              <a:pPr algn="ctr"/>
+              <a:r>
+                <a:rPr lang="en-US">
+                  <a:solidFill>
+                    <a:schemeClr val="tx1"/>
+                  </a:solidFill>
+                  <a:effectLst>
+                    <a:outerShdw blurRad="38100" dist="19050" dir="2700000" algn="tl" rotWithShape="0">
+                      <a:schemeClr val="dk1">
+                        <a:alpha val="40000"/>
+                      </a:schemeClr>
+                    </a:outerShdw>
+                  </a:effectLst>
+                </a:rPr>
+                <a:t>userseting</a:t>
+              </a:r>
+              <a:endParaRPr lang="en-US">
+                <a:solidFill>
+                  <a:schemeClr val="tx1"/>
+                </a:solidFill>
+                <a:effectLst>
+                  <a:outerShdw blurRad="38100" dist="19050" dir="2700000" algn="tl" rotWithShape="0">
+                    <a:schemeClr val="dk1">
+                      <a:alpha val="40000"/>
+                    </a:schemeClr>
+                  </a:outerShdw>
+                </a:effectLst>
+              </a:endParaRPr>
+            </a:p>
+          </p:txBody>
+        </p:sp>
+        <p:sp>
+          <p:nvSpPr>
+            <p:cNvPr id="18" name="Rectangles 17"/>
+            <p:cNvSpPr/>
+            <p:nvPr/>
+          </p:nvSpPr>
+          <p:spPr>
+            <a:xfrm>
+              <a:off x="11278" y="2923"/>
+              <a:ext cx="4206" cy="492"/>
+            </a:xfrm>
+            <a:prstGeom prst="rect">
+              <a:avLst/>
+            </a:prstGeom>
+            <a:solidFill>
+              <a:schemeClr val="bg1"/>
+            </a:solidFill>
+            <a:ln>
+              <a:solidFill>
+                <a:schemeClr val="tx1"/>
+              </a:solidFill>
+            </a:ln>
+          </p:spPr>
+          <p:style>
+            <a:lnRef idx="2">
+              <a:schemeClr val="accent1">
+                <a:shade val="50000"/>
+              </a:schemeClr>
+            </a:lnRef>
+            <a:fillRef idx="1">
+              <a:schemeClr val="accent1"/>
+            </a:fillRef>
+            <a:effectRef idx="0">
+              <a:schemeClr val="accent1"/>
+            </a:effectRef>
+            <a:fontRef idx="minor">
+              <a:schemeClr val="lt1"/>
+            </a:fontRef>
+          </p:style>
+          <p:txBody>
+            <a:bodyPr rtlCol="0" anchor="ctr">
+              <a:scene3d>
+                <a:camera prst="orthographicFront"/>
+                <a:lightRig rig="threePt" dir="t"/>
+              </a:scene3d>
+            </a:bodyPr>
+            <a:p>
+              <a:pPr algn="ctr"/>
+              <a:r>
+                <a:rPr lang="en-US">
+                  <a:solidFill>
+                    <a:schemeClr val="tx1"/>
+                  </a:solidFill>
+                  <a:effectLst>
+                    <a:outerShdw blurRad="38100" dist="19050" dir="2700000" algn="tl" rotWithShape="0">
+                      <a:schemeClr val="dk1">
+                        <a:alpha val="40000"/>
+                      </a:schemeClr>
+                    </a:outerShdw>
+                  </a:effectLst>
+                </a:rPr>
+                <a:t>LYAP</a:t>
+              </a:r>
+              <a:endParaRPr lang="en-US">
+                <a:solidFill>
+                  <a:schemeClr val="tx1"/>
+                </a:solidFill>
+                <a:effectLst>
+                  <a:outerShdw blurRad="38100" dist="19050" dir="2700000" algn="tl" rotWithShape="0">
+                    <a:schemeClr val="dk1">
+                      <a:alpha val="40000"/>
+                    </a:schemeClr>
+                  </a:outerShdw>
+                </a:effectLst>
+              </a:endParaRPr>
+            </a:p>
+          </p:txBody>
+        </p:sp>
+        <p:sp>
+          <p:nvSpPr>
+            <p:cNvPr id="19" name="Rectangles 18"/>
+            <p:cNvSpPr/>
+            <p:nvPr/>
+          </p:nvSpPr>
+          <p:spPr>
+            <a:xfrm>
+              <a:off x="11278" y="3415"/>
+              <a:ext cx="4206" cy="492"/>
+            </a:xfrm>
+            <a:prstGeom prst="rect">
+              <a:avLst/>
+            </a:prstGeom>
+            <a:solidFill>
+              <a:schemeClr val="bg1"/>
+            </a:solidFill>
+            <a:ln>
+              <a:solidFill>
+                <a:schemeClr val="tx1"/>
+              </a:solidFill>
+            </a:ln>
+          </p:spPr>
+          <p:style>
+            <a:lnRef idx="2">
+              <a:schemeClr val="accent1">
+                <a:shade val="50000"/>
+              </a:schemeClr>
+            </a:lnRef>
+            <a:fillRef idx="1">
+              <a:schemeClr val="accent1"/>
+            </a:fillRef>
+            <a:effectRef idx="0">
+              <a:schemeClr val="accent1"/>
+            </a:effectRef>
+            <a:fontRef idx="minor">
+              <a:schemeClr val="lt1"/>
+            </a:fontRef>
+          </p:style>
+          <p:txBody>
+            <a:bodyPr rtlCol="0" anchor="ctr">
+              <a:scene3d>
+                <a:camera prst="orthographicFront"/>
+                <a:lightRig rig="threePt" dir="t"/>
+              </a:scene3d>
+            </a:bodyPr>
+            <a:p>
+              <a:pPr algn="ctr"/>
+              <a:r>
+                <a:rPr lang="en-US">
+                  <a:solidFill>
+                    <a:schemeClr val="tx1"/>
+                  </a:solidFill>
+                  <a:effectLst>
+                    <a:outerShdw blurRad="38100" dist="19050" dir="2700000" algn="tl" rotWithShape="0">
+                      <a:schemeClr val="dk1">
+                        <a:alpha val="40000"/>
+                      </a:schemeClr>
+                    </a:outerShdw>
+                  </a:effectLst>
+                </a:rPr>
+                <a:t>APP specific</a:t>
+              </a:r>
+              <a:endParaRPr lang="en-US">
+                <a:solidFill>
+                  <a:schemeClr val="tx1"/>
+                </a:solidFill>
+                <a:effectLst>
+                  <a:outerShdw blurRad="38100" dist="19050" dir="2700000" algn="tl" rotWithShape="0">
+                    <a:schemeClr val="dk1">
+                      <a:alpha val="40000"/>
+                    </a:schemeClr>
+                  </a:outerShdw>
+                </a:effectLst>
+              </a:endParaRPr>
+            </a:p>
+          </p:txBody>
+        </p:sp>
+        <p:sp>
+          <p:nvSpPr>
+            <p:cNvPr id="21" name="Text Box 20"/>
+            <p:cNvSpPr txBox="1"/>
+            <p:nvPr/>
+          </p:nvSpPr>
+          <p:spPr>
+            <a:xfrm>
+              <a:off x="15494" y="1962"/>
+              <a:ext cx="1395" cy="292"/>
+            </a:xfrm>
+            <a:prstGeom prst="rect">
+              <a:avLst/>
+            </a:prstGeom>
+            <a:noFill/>
+          </p:spPr>
+          <p:txBody>
+            <a:bodyPr wrap="square" rtlCol="0">
+              <a:spAutoFit/>
+            </a:bodyPr>
+            <a:p>
+              <a:r>
+                <a:rPr lang="en-US" sz="1200"/>
+                <a:t>64KB</a:t>
+              </a:r>
+              <a:endParaRPr lang="en-US" sz="1200"/>
+            </a:p>
+          </p:txBody>
+        </p:sp>
+        <p:sp>
+          <p:nvSpPr>
+            <p:cNvPr id="22" name="Text Box 21"/>
+            <p:cNvSpPr txBox="1"/>
+            <p:nvPr/>
+          </p:nvSpPr>
+          <p:spPr>
+            <a:xfrm>
+              <a:off x="15494" y="2475"/>
+              <a:ext cx="1095" cy="292"/>
+            </a:xfrm>
+            <a:prstGeom prst="rect">
+              <a:avLst/>
+            </a:prstGeom>
+            <a:noFill/>
+          </p:spPr>
+          <p:txBody>
+            <a:bodyPr wrap="square" rtlCol="0">
+              <a:spAutoFit/>
+            </a:bodyPr>
+            <a:p>
+              <a:r>
+                <a:rPr lang="en-US" sz="1200"/>
+                <a:t>64KB</a:t>
+              </a:r>
+              <a:endParaRPr lang="en-US" sz="1200"/>
+            </a:p>
+          </p:txBody>
+        </p:sp>
+        <p:sp>
+          <p:nvSpPr>
+            <p:cNvPr id="23" name="Text Box 22"/>
+            <p:cNvSpPr txBox="1"/>
+            <p:nvPr/>
+          </p:nvSpPr>
+          <p:spPr>
+            <a:xfrm>
+              <a:off x="15494" y="2952"/>
+              <a:ext cx="879" cy="292"/>
+            </a:xfrm>
+            <a:prstGeom prst="rect">
+              <a:avLst/>
+            </a:prstGeom>
+            <a:noFill/>
+          </p:spPr>
+          <p:txBody>
+            <a:bodyPr wrap="square" rtlCol="0">
+              <a:spAutoFit/>
+            </a:bodyPr>
+            <a:p>
+              <a:r>
+                <a:rPr lang="en-US" sz="1200"/>
+                <a:t>64KB</a:t>
+              </a:r>
+              <a:endParaRPr lang="en-US" sz="1200"/>
+            </a:p>
+          </p:txBody>
+        </p:sp>
+        <p:sp>
+          <p:nvSpPr>
+            <p:cNvPr id="24" name="Text Box 23"/>
+            <p:cNvSpPr txBox="1"/>
+            <p:nvPr/>
+          </p:nvSpPr>
+          <p:spPr>
+            <a:xfrm>
+              <a:off x="15484" y="3445"/>
+              <a:ext cx="1238" cy="292"/>
+            </a:xfrm>
+            <a:prstGeom prst="rect">
+              <a:avLst/>
+            </a:prstGeom>
+            <a:noFill/>
+          </p:spPr>
+          <p:txBody>
+            <a:bodyPr wrap="square" rtlCol="0">
+              <a:spAutoFit/>
+            </a:bodyPr>
+            <a:p>
+              <a:r>
+                <a:rPr lang="en-US" sz="1200"/>
+                <a:t>640KB</a:t>
+              </a:r>
+              <a:endParaRPr lang="en-US" sz="1200"/>
+            </a:p>
+          </p:txBody>
+        </p:sp>
+        <p:sp>
+          <p:nvSpPr>
+            <p:cNvPr id="25" name="Rectangles 24"/>
+            <p:cNvSpPr/>
+            <p:nvPr/>
+          </p:nvSpPr>
+          <p:spPr>
+            <a:xfrm>
+              <a:off x="11278" y="3907"/>
+              <a:ext cx="4206" cy="492"/>
+            </a:xfrm>
+            <a:prstGeom prst="rect">
+              <a:avLst/>
+            </a:prstGeom>
+            <a:solidFill>
+              <a:schemeClr val="bg1"/>
+            </a:solidFill>
+            <a:ln>
+              <a:solidFill>
+                <a:schemeClr val="tx1"/>
+              </a:solidFill>
+            </a:ln>
+          </p:spPr>
+          <p:style>
+            <a:lnRef idx="2">
+              <a:schemeClr val="accent1">
+                <a:shade val="50000"/>
+              </a:schemeClr>
+            </a:lnRef>
+            <a:fillRef idx="1">
+              <a:schemeClr val="accent1"/>
+            </a:fillRef>
+            <a:effectRef idx="0">
+              <a:schemeClr val="accent1"/>
+            </a:effectRef>
+            <a:fontRef idx="minor">
+              <a:schemeClr val="lt1"/>
+            </a:fontRef>
+          </p:style>
+          <p:txBody>
+            <a:bodyPr rtlCol="0" anchor="ctr">
+              <a:scene3d>
+                <a:camera prst="orthographicFront"/>
+                <a:lightRig rig="threePt" dir="t"/>
+              </a:scene3d>
+            </a:bodyPr>
+            <a:p>
+              <a:pPr algn="ctr"/>
+              <a:r>
+                <a:rPr lang="en-US">
+                  <a:solidFill>
+                    <a:schemeClr val="tx1"/>
+                  </a:solidFill>
+                  <a:effectLst>
+                    <a:outerShdw blurRad="38100" dist="19050" dir="2700000" algn="tl" rotWithShape="0">
+                      <a:schemeClr val="dk1">
+                        <a:alpha val="40000"/>
+                      </a:schemeClr>
+                    </a:outerShdw>
+                  </a:effectLst>
+                </a:rPr>
+                <a:t>framework.img</a:t>
+              </a:r>
+              <a:endParaRPr lang="en-US">
+                <a:solidFill>
+                  <a:schemeClr val="tx1"/>
+                </a:solidFill>
+                <a:effectLst>
+                  <a:outerShdw blurRad="38100" dist="19050" dir="2700000" algn="tl" rotWithShape="0">
+                    <a:schemeClr val="dk1">
+                      <a:alpha val="40000"/>
+                    </a:schemeClr>
+                  </a:outerShdw>
+                </a:effectLst>
+              </a:endParaRPr>
+            </a:p>
+          </p:txBody>
+        </p:sp>
+        <p:sp>
+          <p:nvSpPr>
+            <p:cNvPr id="26" name="Text Box 25"/>
+            <p:cNvSpPr txBox="1"/>
+            <p:nvPr/>
+          </p:nvSpPr>
+          <p:spPr>
+            <a:xfrm>
+              <a:off x="15494" y="3938"/>
+              <a:ext cx="1238" cy="292"/>
+            </a:xfrm>
+            <a:prstGeom prst="rect">
+              <a:avLst/>
+            </a:prstGeom>
+            <a:noFill/>
+          </p:spPr>
+          <p:txBody>
+            <a:bodyPr wrap="square" rtlCol="0">
+              <a:spAutoFit/>
+            </a:bodyPr>
+            <a:p>
+              <a:r>
+                <a:rPr lang="en-US" sz="1200"/>
+                <a:t>14M</a:t>
+              </a:r>
+              <a:endParaRPr lang="en-US" sz="1200"/>
+            </a:p>
+          </p:txBody>
+        </p:sp>
+        <p:sp>
+          <p:nvSpPr>
+            <p:cNvPr id="27" name="Rectangles 26"/>
+            <p:cNvSpPr/>
+            <p:nvPr/>
+          </p:nvSpPr>
+          <p:spPr>
+            <a:xfrm>
+              <a:off x="11278" y="4399"/>
+              <a:ext cx="4206" cy="492"/>
+            </a:xfrm>
+            <a:prstGeom prst="rect">
+              <a:avLst/>
+            </a:prstGeom>
+            <a:solidFill>
+              <a:schemeClr val="bg1"/>
+            </a:solidFill>
+            <a:ln>
+              <a:solidFill>
+                <a:schemeClr val="tx1"/>
+              </a:solidFill>
+            </a:ln>
+          </p:spPr>
+          <p:style>
+            <a:lnRef idx="2">
+              <a:schemeClr val="accent1">
+                <a:shade val="50000"/>
+              </a:schemeClr>
+            </a:lnRef>
+            <a:fillRef idx="1">
+              <a:schemeClr val="accent1"/>
+            </a:fillRef>
+            <a:effectRef idx="0">
+              <a:schemeClr val="accent1"/>
+            </a:effectRef>
+            <a:fontRef idx="minor">
+              <a:schemeClr val="lt1"/>
+            </a:fontRef>
+          </p:style>
+          <p:txBody>
+            <a:bodyPr rtlCol="0" anchor="ctr">
+              <a:scene3d>
+                <a:camera prst="orthographicFront"/>
+                <a:lightRig rig="threePt" dir="t"/>
+              </a:scene3d>
+            </a:bodyPr>
+            <a:p>
+              <a:pPr algn="ctr"/>
+              <a:r>
+                <a:rPr lang="en-US">
+                  <a:solidFill>
+                    <a:schemeClr val="tx1"/>
+                  </a:solidFill>
+                  <a:effectLst>
+                    <a:outerShdw blurRad="38100" dist="19050" dir="2700000" algn="tl" rotWithShape="0">
+                      <a:schemeClr val="dk1">
+                        <a:alpha val="40000"/>
+                      </a:schemeClr>
+                    </a:outerShdw>
+                  </a:effectLst>
+                </a:rPr>
+                <a:t>blversion</a:t>
+              </a:r>
+              <a:endParaRPr lang="en-US">
+                <a:solidFill>
+                  <a:schemeClr val="tx1"/>
+                </a:solidFill>
+                <a:effectLst>
+                  <a:outerShdw blurRad="38100" dist="19050" dir="2700000" algn="tl" rotWithShape="0">
+                    <a:schemeClr val="dk1">
+                      <a:alpha val="40000"/>
+                    </a:schemeClr>
+                  </a:outerShdw>
+                </a:effectLst>
+              </a:endParaRPr>
+            </a:p>
+          </p:txBody>
+        </p:sp>
+        <p:sp>
+          <p:nvSpPr>
+            <p:cNvPr id="28" name="Text Box 27"/>
+            <p:cNvSpPr txBox="1"/>
+            <p:nvPr/>
+          </p:nvSpPr>
+          <p:spPr>
+            <a:xfrm>
+              <a:off x="15494" y="4431"/>
+              <a:ext cx="1238" cy="292"/>
+            </a:xfrm>
+            <a:prstGeom prst="rect">
+              <a:avLst/>
+            </a:prstGeom>
+            <a:noFill/>
+          </p:spPr>
+          <p:txBody>
+            <a:bodyPr wrap="square" rtlCol="0">
+              <a:spAutoFit/>
+            </a:bodyPr>
+            <a:p>
+              <a:r>
+                <a:rPr lang="en-US" sz="1200"/>
+                <a:t>20B</a:t>
+              </a:r>
+              <a:endParaRPr lang="en-US" sz="1200"/>
+            </a:p>
+          </p:txBody>
+        </p:sp>
+        <p:sp>
+          <p:nvSpPr>
+            <p:cNvPr id="29" name="Rectangles 28"/>
+            <p:cNvSpPr/>
+            <p:nvPr/>
+          </p:nvSpPr>
+          <p:spPr>
+            <a:xfrm>
+              <a:off x="11278" y="4891"/>
+              <a:ext cx="4206" cy="492"/>
+            </a:xfrm>
+            <a:prstGeom prst="rect">
+              <a:avLst/>
+            </a:prstGeom>
+            <a:solidFill>
+              <a:schemeClr val="bg1"/>
+            </a:solidFill>
+            <a:ln>
+              <a:solidFill>
+                <a:schemeClr val="tx1"/>
+              </a:solidFill>
+            </a:ln>
+          </p:spPr>
+          <p:style>
+            <a:lnRef idx="2">
+              <a:schemeClr val="accent1">
+                <a:shade val="50000"/>
+              </a:schemeClr>
+            </a:lnRef>
+            <a:fillRef idx="1">
+              <a:schemeClr val="accent1"/>
+            </a:fillRef>
+            <a:effectRef idx="0">
+              <a:schemeClr val="accent1"/>
+            </a:effectRef>
+            <a:fontRef idx="minor">
+              <a:schemeClr val="lt1"/>
+            </a:fontRef>
+          </p:style>
+          <p:txBody>
+            <a:bodyPr rtlCol="0" anchor="ctr">
+              <a:scene3d>
+                <a:camera prst="orthographicFront"/>
+                <a:lightRig rig="threePt" dir="t"/>
+              </a:scene3d>
+            </a:bodyPr>
+            <a:p>
+              <a:pPr algn="ctr"/>
+              <a:r>
+                <a:rPr lang="en-US">
+                  <a:solidFill>
+                    <a:schemeClr val="tx1"/>
+                  </a:solidFill>
+                  <a:effectLst>
+                    <a:outerShdw blurRad="38100" dist="19050" dir="2700000" algn="tl" rotWithShape="0">
+                      <a:schemeClr val="dk1">
+                        <a:alpha val="40000"/>
+                      </a:schemeClr>
+                    </a:outerShdw>
+                  </a:effectLst>
+                </a:rPr>
+                <a:t>bootloader.img</a:t>
+              </a:r>
+              <a:endParaRPr lang="en-US">
+                <a:solidFill>
+                  <a:schemeClr val="tx1"/>
+                </a:solidFill>
+                <a:effectLst>
+                  <a:outerShdw blurRad="38100" dist="19050" dir="2700000" algn="tl" rotWithShape="0">
+                    <a:schemeClr val="dk1">
+                      <a:alpha val="40000"/>
+                    </a:schemeClr>
+                  </a:outerShdw>
+                </a:effectLst>
+              </a:endParaRPr>
+            </a:p>
+          </p:txBody>
+        </p:sp>
+        <p:sp>
+          <p:nvSpPr>
+            <p:cNvPr id="30" name="Text Box 29"/>
+            <p:cNvSpPr txBox="1"/>
+            <p:nvPr/>
+          </p:nvSpPr>
+          <p:spPr>
+            <a:xfrm>
+              <a:off x="15494" y="4924"/>
+              <a:ext cx="3119" cy="292"/>
+            </a:xfrm>
+            <a:prstGeom prst="rect">
+              <a:avLst/>
+            </a:prstGeom>
+            <a:noFill/>
+          </p:spPr>
+          <p:txBody>
+            <a:bodyPr wrap="square" rtlCol="0">
+              <a:spAutoFit/>
+            </a:bodyPr>
+            <a:p>
+              <a:r>
+                <a:rPr lang="en-US" sz="1200"/>
+                <a:t>576K=512KB+64KB</a:t>
+              </a:r>
+              <a:endParaRPr lang="en-US" sz="1200"/>
+            </a:p>
+          </p:txBody>
+        </p:sp>
+        <p:sp>
+          <p:nvSpPr>
+            <p:cNvPr id="32" name="Text Box 31"/>
+            <p:cNvSpPr txBox="1"/>
+            <p:nvPr/>
+          </p:nvSpPr>
+          <p:spPr>
+            <a:xfrm>
+              <a:off x="9212" y="2692"/>
+              <a:ext cx="2056" cy="292"/>
+            </a:xfrm>
+            <a:prstGeom prst="rect">
+              <a:avLst/>
+            </a:prstGeom>
+            <a:noFill/>
+          </p:spPr>
+          <p:txBody>
+            <a:bodyPr wrap="square" rtlCol="0">
+              <a:spAutoFit/>
+            </a:bodyPr>
+            <a:p>
+              <a:pPr algn="r"/>
+              <a:r>
+                <a:rPr lang="en-US" sz="1200"/>
+                <a:t>0xFD0000</a:t>
+              </a:r>
+              <a:endParaRPr lang="en-US" sz="1200"/>
+            </a:p>
+          </p:txBody>
+        </p:sp>
+        <p:sp>
+          <p:nvSpPr>
+            <p:cNvPr id="33" name="Text Box 32"/>
+            <p:cNvSpPr txBox="1"/>
+            <p:nvPr/>
+          </p:nvSpPr>
+          <p:spPr>
+            <a:xfrm>
+              <a:off x="9212" y="3198"/>
+              <a:ext cx="2056" cy="292"/>
+            </a:xfrm>
+            <a:prstGeom prst="rect">
+              <a:avLst/>
+            </a:prstGeom>
+            <a:noFill/>
+          </p:spPr>
+          <p:txBody>
+            <a:bodyPr wrap="square" rtlCol="0">
+              <a:spAutoFit/>
+            </a:bodyPr>
+            <a:p>
+              <a:pPr algn="r"/>
+              <a:r>
+                <a:rPr lang="en-US" sz="1200"/>
+                <a:t>0xFC0000</a:t>
+              </a:r>
+              <a:endParaRPr lang="en-US" sz="1200"/>
+            </a:p>
+          </p:txBody>
+        </p:sp>
+        <p:sp>
+          <p:nvSpPr>
+            <p:cNvPr id="34" name="Text Box 33"/>
+            <p:cNvSpPr txBox="1"/>
+            <p:nvPr/>
+          </p:nvSpPr>
+          <p:spPr>
+            <a:xfrm>
+              <a:off x="9222" y="3704"/>
+              <a:ext cx="2056" cy="292"/>
+            </a:xfrm>
+            <a:prstGeom prst="rect">
+              <a:avLst/>
+            </a:prstGeom>
+            <a:noFill/>
+          </p:spPr>
+          <p:txBody>
+            <a:bodyPr wrap="square" rtlCol="0">
+              <a:spAutoFit/>
+            </a:bodyPr>
+            <a:p>
+              <a:pPr algn="r"/>
+              <a:r>
+                <a:rPr lang="en-US" sz="1200"/>
+                <a:t>0xF20000</a:t>
+              </a:r>
+              <a:endParaRPr lang="en-US" sz="1200"/>
+            </a:p>
+          </p:txBody>
+        </p:sp>
+        <p:sp>
+          <p:nvSpPr>
+            <p:cNvPr id="35" name="Text Box 34"/>
+            <p:cNvSpPr txBox="1"/>
+            <p:nvPr/>
+          </p:nvSpPr>
+          <p:spPr>
+            <a:xfrm>
+              <a:off x="9212" y="4210"/>
+              <a:ext cx="2056" cy="292"/>
+            </a:xfrm>
+            <a:prstGeom prst="rect">
+              <a:avLst/>
+            </a:prstGeom>
+            <a:noFill/>
+          </p:spPr>
+          <p:txBody>
+            <a:bodyPr wrap="square" rtlCol="0">
+              <a:spAutoFit/>
+            </a:bodyPr>
+            <a:p>
+              <a:pPr algn="r"/>
+              <a:r>
+                <a:rPr lang="en-US" sz="1200"/>
+                <a:t>0x90000</a:t>
+              </a:r>
+              <a:endParaRPr lang="en-US" sz="1200"/>
+            </a:p>
+          </p:txBody>
+        </p:sp>
+        <p:sp>
+          <p:nvSpPr>
+            <p:cNvPr id="36" name="Text Box 35"/>
+            <p:cNvSpPr txBox="1"/>
+            <p:nvPr/>
+          </p:nvSpPr>
+          <p:spPr>
+            <a:xfrm>
+              <a:off x="9212" y="4672"/>
+              <a:ext cx="2056" cy="292"/>
+            </a:xfrm>
+            <a:prstGeom prst="rect">
+              <a:avLst/>
+            </a:prstGeom>
+            <a:noFill/>
+          </p:spPr>
+          <p:txBody>
+            <a:bodyPr wrap="square" rtlCol="0">
+              <a:spAutoFit/>
+            </a:bodyPr>
+            <a:p>
+              <a:pPr algn="r"/>
+              <a:r>
+                <a:rPr lang="en-US" sz="1200"/>
+                <a:t>0x8FFEC</a:t>
+              </a:r>
+              <a:endParaRPr lang="en-US" sz="1200"/>
+            </a:p>
+          </p:txBody>
+        </p:sp>
+        <p:sp>
+          <p:nvSpPr>
+            <p:cNvPr id="37" name="Text Box 36"/>
+            <p:cNvSpPr txBox="1"/>
+            <p:nvPr/>
+          </p:nvSpPr>
+          <p:spPr>
+            <a:xfrm>
+              <a:off x="9212" y="5106"/>
+              <a:ext cx="2056" cy="292"/>
+            </a:xfrm>
+            <a:prstGeom prst="rect">
+              <a:avLst/>
+            </a:prstGeom>
+            <a:noFill/>
+          </p:spPr>
+          <p:txBody>
+            <a:bodyPr wrap="square" rtlCol="0">
+              <a:spAutoFit/>
+            </a:bodyPr>
+            <a:p>
+              <a:pPr algn="r"/>
+              <a:r>
+                <a:rPr lang="en-US" sz="1200"/>
+                <a:t>0x0</a:t>
+              </a:r>
+              <a:endParaRPr lang="en-US" sz="1200"/>
+            </a:p>
+          </p:txBody>
+        </p:sp>
+      </p:grpSp>
     </p:spTree>
   </p:cSld>
   <p:clrMapOvr>
@@ -3981,13 +6688,9 @@
           <a:p>
             <a:r>
               <a:rPr lang="zh-CN" altLang="en-US"/>
-              <a:t>外设使用</a:t>
-            </a:r>
-            <a:r>
-              <a:rPr lang="en-US" altLang="zh-CN"/>
-              <a:t>-uart</a:t>
-            </a:r>
-            <a:endParaRPr lang="en-US" altLang="zh-CN"/>
+              <a:t>仿真运行</a:t>
+            </a:r>
+            <a:endParaRPr lang="zh-CN" altLang="en-US"/>
           </a:p>
         </p:txBody>
       </p:sp>
@@ -4047,7 +6750,7 @@
             </a:r>
             <a:r>
               <a:rPr lang="en-US" altLang="zh-CN"/>
-              <a:t>-PWM</a:t>
+              <a:t>-uart</a:t>
             </a:r>
             <a:endParaRPr lang="en-US" altLang="zh-CN"/>
           </a:p>
